--- a/Sprint Planning/Scrum meeting 3.pptx
+++ b/Sprint Planning/Scrum meeting 3.pptx
@@ -8,9 +8,10 @@
     <p:sldId id="257" r:id="rId2"/>
     <p:sldId id="258" r:id="rId3"/>
     <p:sldId id="261" r:id="rId4"/>
-    <p:sldId id="259" r:id="rId5"/>
-    <p:sldId id="262" r:id="rId6"/>
-    <p:sldId id="260" r:id="rId7"/>
+    <p:sldId id="263" r:id="rId5"/>
+    <p:sldId id="259" r:id="rId6"/>
+    <p:sldId id="262" r:id="rId7"/>
+    <p:sldId id="260" r:id="rId8"/>
   </p:sldIdLst>
   <p:sldSz cx="12192000" cy="6858000"/>
   <p:notesSz cx="6858000" cy="9144000"/>
@@ -3628,6 +3629,17 @@
             </a:r>
           </a:p>
           <a:p>
+            <a:r>
+              <a:rPr lang="en-US" dirty="0" err="1"/>
+              <a:t>Kleuren</a:t>
+            </a:r>
+            <a:r>
+              <a:rPr lang="en-US"/>
+              <a:t> </a:t>
+            </a:r>
+            <a:endParaRPr lang="en-US" dirty="0"/>
+          </a:p>
+          <a:p>
             <a:endParaRPr lang="en-US" dirty="0"/>
           </a:p>
           <a:p>
@@ -4090,6 +4102,96 @@
       </p:grpSpPr>
       <p:sp>
         <p:nvSpPr>
+          <p:cNvPr id="2" name="Titel 1">
+            <a:extLst>
+              <a:ext uri="{FF2B5EF4-FFF2-40B4-BE49-F238E27FC236}">
+                <a16:creationId xmlns:a16="http://schemas.microsoft.com/office/drawing/2014/main" id="{12B1229A-5BF3-43A2-8D05-75E00D6A0422}"/>
+              </a:ext>
+            </a:extLst>
+          </p:cNvPr>
+          <p:cNvSpPr>
+            <a:spLocks noGrp="1"/>
+          </p:cNvSpPr>
+          <p:nvPr>
+            <p:ph type="title"/>
+          </p:nvPr>
+        </p:nvSpPr>
+        <p:spPr/>
+        <p:txBody>
+          <a:bodyPr/>
+          <a:lstStyle/>
+          <a:p>
+            <a:r>
+              <a:rPr lang="nl-NL" dirty="0"/>
+              <a:t>kleuren</a:t>
+            </a:r>
+          </a:p>
+        </p:txBody>
+      </p:sp>
+      <p:pic>
+        <p:nvPicPr>
+          <p:cNvPr id="4" name="Tijdelijke aanduiding voor inhoud 3">
+            <a:extLst>
+              <a:ext uri="{FF2B5EF4-FFF2-40B4-BE49-F238E27FC236}">
+                <a16:creationId xmlns:a16="http://schemas.microsoft.com/office/drawing/2014/main" id="{995D75B8-4090-43E8-AD41-C898D4A3447D}"/>
+              </a:ext>
+            </a:extLst>
+          </p:cNvPr>
+          <p:cNvPicPr>
+            <a:picLocks noGrp="1" noChangeAspect="1"/>
+          </p:cNvPicPr>
+          <p:nvPr>
+            <p:ph idx="1"/>
+          </p:nvPr>
+        </p:nvPicPr>
+        <p:blipFill>
+          <a:blip r:embed="rId2"/>
+          <a:stretch>
+            <a:fillRect/>
+          </a:stretch>
+        </p:blipFill>
+        <p:spPr>
+          <a:xfrm>
+            <a:off x="1882591" y="1853754"/>
+            <a:ext cx="8426818" cy="4740086"/>
+          </a:xfrm>
+          <a:prstGeom prst="rect">
+            <a:avLst/>
+          </a:prstGeom>
+        </p:spPr>
+      </p:pic>
+    </p:spTree>
+    <p:extLst>
+      <p:ext uri="{BB962C8B-B14F-4D97-AF65-F5344CB8AC3E}">
+        <p14:creationId xmlns:p14="http://schemas.microsoft.com/office/powerpoint/2010/main" val="4051314381"/>
+      </p:ext>
+    </p:extLst>
+  </p:cSld>
+  <p:clrMapOvr>
+    <a:masterClrMapping/>
+  </p:clrMapOvr>
+</p:sld>
+</file>
+
+<file path=ppt/slides/slide5.xml><?xml version="1.0" encoding="utf-8"?>
+<p:sld xmlns:a="http://schemas.openxmlformats.org/drawingml/2006/main" xmlns:r="http://schemas.openxmlformats.org/officeDocument/2006/relationships" xmlns:p="http://schemas.openxmlformats.org/presentationml/2006/main">
+  <p:cSld>
+    <p:spTree>
+      <p:nvGrpSpPr>
+        <p:cNvPr id="1" name=""/>
+        <p:cNvGrpSpPr/>
+        <p:nvPr/>
+      </p:nvGrpSpPr>
+      <p:grpSpPr>
+        <a:xfrm>
+          <a:off x="0" y="0"/>
+          <a:ext cx="0" cy="0"/>
+          <a:chOff x="0" y="0"/>
+          <a:chExt cx="0" cy="0"/>
+        </a:xfrm>
+      </p:grpSpPr>
+      <p:sp>
+        <p:nvSpPr>
           <p:cNvPr id="2" name="Title 1">
             <a:extLst>
               <a:ext uri="{FF2B5EF4-FFF2-40B4-BE49-F238E27FC236}">
@@ -5883,7 +5985,7 @@
 </p:sld>
 </file>
 
-<file path=ppt/slides/slide5.xml><?xml version="1.0" encoding="utf-8"?>
+<file path=ppt/slides/slide6.xml><?xml version="1.0" encoding="utf-8"?>
 <p:sld xmlns:a="http://schemas.openxmlformats.org/drawingml/2006/main" xmlns:r="http://schemas.openxmlformats.org/officeDocument/2006/relationships" xmlns:p="http://schemas.openxmlformats.org/presentationml/2006/main">
   <p:cSld>
     <p:spTree>
@@ -6852,7 +6954,7 @@
 </p:sld>
 </file>
 
-<file path=ppt/slides/slide6.xml><?xml version="1.0" encoding="utf-8"?>
+<file path=ppt/slides/slide7.xml><?xml version="1.0" encoding="utf-8"?>
 <p:sld xmlns:a="http://schemas.openxmlformats.org/drawingml/2006/main" xmlns:r="http://schemas.openxmlformats.org/officeDocument/2006/relationships" xmlns:p="http://schemas.openxmlformats.org/presentationml/2006/main">
   <p:cSld>
     <p:spTree>

--- a/Sprint Planning/Scrum meeting 3.pptx
+++ b/Sprint Planning/Scrum meeting 3.pptx
@@ -9,8 +9,8 @@
     <p:sldId id="258" r:id="rId3"/>
     <p:sldId id="261" r:id="rId4"/>
     <p:sldId id="263" r:id="rId5"/>
-    <p:sldId id="259" r:id="rId6"/>
-    <p:sldId id="262" r:id="rId7"/>
+    <p:sldId id="262" r:id="rId6"/>
+    <p:sldId id="264" r:id="rId7"/>
     <p:sldId id="260" r:id="rId8"/>
   </p:sldIdLst>
   <p:sldSz cx="12192000" cy="6858000"/>
@@ -4192,1818 +4192,6 @@
       </p:grpSpPr>
       <p:sp>
         <p:nvSpPr>
-          <p:cNvPr id="2" name="Title 1">
-            <a:extLst>
-              <a:ext uri="{FF2B5EF4-FFF2-40B4-BE49-F238E27FC236}">
-                <a16:creationId xmlns:a16="http://schemas.microsoft.com/office/drawing/2014/main" id="{021F3197-4395-4926-87A6-82219B57B42C}"/>
-              </a:ext>
-            </a:extLst>
-          </p:cNvPr>
-          <p:cNvSpPr>
-            <a:spLocks noGrp="1"/>
-          </p:cNvSpPr>
-          <p:nvPr>
-            <p:ph type="title"/>
-          </p:nvPr>
-        </p:nvSpPr>
-        <p:spPr/>
-        <p:txBody>
-          <a:bodyPr/>
-          <a:lstStyle/>
-          <a:p>
-            <a:r>
-              <a:rPr lang="en-US" dirty="0"/>
-              <a:t>Oude </a:t>
-            </a:r>
-            <a:r>
-              <a:rPr lang="en-US" dirty="0" err="1"/>
-              <a:t>Presentatie</a:t>
-            </a:r>
-            <a:r>
-              <a:rPr lang="en-US" dirty="0"/>
-              <a:t> Sprint Backlog</a:t>
-            </a:r>
-          </a:p>
-        </p:txBody>
-      </p:sp>
-      <p:sp>
-        <p:nvSpPr>
-          <p:cNvPr id="3" name="Content Placeholder 2">
-            <a:extLst>
-              <a:ext uri="{FF2B5EF4-FFF2-40B4-BE49-F238E27FC236}">
-                <a16:creationId xmlns:a16="http://schemas.microsoft.com/office/drawing/2014/main" id="{6E838DA3-B876-434F-B3DA-B57461F93C77}"/>
-              </a:ext>
-            </a:extLst>
-          </p:cNvPr>
-          <p:cNvSpPr>
-            <a:spLocks noGrp="1"/>
-          </p:cNvSpPr>
-          <p:nvPr>
-            <p:ph idx="1"/>
-          </p:nvPr>
-        </p:nvSpPr>
-        <p:spPr/>
-        <p:txBody>
-          <a:bodyPr/>
-          <a:lstStyle/>
-          <a:p>
-            <a:endParaRPr lang="en-US" dirty="0"/>
-          </a:p>
-        </p:txBody>
-      </p:sp>
-      <p:graphicFrame>
-        <p:nvGraphicFramePr>
-          <p:cNvPr id="5" name="Tijdelijke aanduiding voor inhoud 3">
-            <a:extLst>
-              <a:ext uri="{FF2B5EF4-FFF2-40B4-BE49-F238E27FC236}">
-                <a16:creationId xmlns:a16="http://schemas.microsoft.com/office/drawing/2014/main" id="{FCC6BE9C-FD57-4E5C-92D6-22AEBC794C7B}"/>
-              </a:ext>
-            </a:extLst>
-          </p:cNvPr>
-          <p:cNvGraphicFramePr>
-            <a:graphicFrameLocks/>
-          </p:cNvGraphicFramePr>
-          <p:nvPr>
-            <p:extLst>
-              <p:ext uri="{D42A27DB-BD31-4B8C-83A1-F6EECF244321}">
-                <p14:modId xmlns:p14="http://schemas.microsoft.com/office/powerpoint/2010/main" val="3877792063"/>
-              </p:ext>
-            </p:extLst>
-          </p:nvPr>
-        </p:nvGraphicFramePr>
-        <p:xfrm>
-          <a:off x="1154954" y="2876987"/>
-          <a:ext cx="9625387" cy="2646472"/>
-        </p:xfrm>
-        <a:graphic>
-          <a:graphicData uri="http://schemas.openxmlformats.org/drawingml/2006/table">
-            <a:tbl>
-              <a:tblPr firstRow="1" firstCol="1" bandRow="1">
-                <a:tableStyleId>{5C22544A-7EE6-4342-B048-85BDC9FD1C3A}</a:tableStyleId>
-              </a:tblPr>
-              <a:tblGrid>
-                <a:gridCol w="572950">
-                  <a:extLst>
-                    <a:ext uri="{9D8B030D-6E8A-4147-A177-3AD203B41FA5}">
-                      <a16:colId xmlns:a16="http://schemas.microsoft.com/office/drawing/2014/main" val="2274104689"/>
-                    </a:ext>
-                  </a:extLst>
-                </a:gridCol>
-                <a:gridCol w="1102824">
-                  <a:extLst>
-                    <a:ext uri="{9D8B030D-6E8A-4147-A177-3AD203B41FA5}">
-                      <a16:colId xmlns:a16="http://schemas.microsoft.com/office/drawing/2014/main" val="2741589091"/>
-                    </a:ext>
-                  </a:extLst>
-                </a:gridCol>
-                <a:gridCol w="840647">
-                  <a:extLst>
-                    <a:ext uri="{9D8B030D-6E8A-4147-A177-3AD203B41FA5}">
-                      <a16:colId xmlns:a16="http://schemas.microsoft.com/office/drawing/2014/main" val="3920543657"/>
-                    </a:ext>
-                  </a:extLst>
-                </a:gridCol>
-                <a:gridCol w="1894876">
-                  <a:extLst>
-                    <a:ext uri="{9D8B030D-6E8A-4147-A177-3AD203B41FA5}">
-                      <a16:colId xmlns:a16="http://schemas.microsoft.com/office/drawing/2014/main" val="2000952455"/>
-                    </a:ext>
-                  </a:extLst>
-                </a:gridCol>
-                <a:gridCol w="2107378">
-                  <a:extLst>
-                    <a:ext uri="{9D8B030D-6E8A-4147-A177-3AD203B41FA5}">
-                      <a16:colId xmlns:a16="http://schemas.microsoft.com/office/drawing/2014/main" val="1249616473"/>
-                    </a:ext>
-                  </a:extLst>
-                </a:gridCol>
-                <a:gridCol w="782692">
-                  <a:extLst>
-                    <a:ext uri="{9D8B030D-6E8A-4147-A177-3AD203B41FA5}">
-                      <a16:colId xmlns:a16="http://schemas.microsoft.com/office/drawing/2014/main" val="4089290019"/>
-                    </a:ext>
-                  </a:extLst>
-                </a:gridCol>
-                <a:gridCol w="2324020">
-                  <a:extLst>
-                    <a:ext uri="{9D8B030D-6E8A-4147-A177-3AD203B41FA5}">
-                      <a16:colId xmlns:a16="http://schemas.microsoft.com/office/drawing/2014/main" val="4009435677"/>
-                    </a:ext>
-                  </a:extLst>
-                </a:gridCol>
-              </a:tblGrid>
-              <a:tr h="296730">
-                <a:tc>
-                  <a:txBody>
-                    <a:bodyPr/>
-                    <a:lstStyle/>
-                    <a:p>
-                      <a:r>
-                        <a:rPr lang="nl-NL" sz="900" dirty="0">
-                          <a:effectLst/>
-                        </a:rPr>
-                        <a:t>Features</a:t>
-                      </a:r>
-                      <a:endParaRPr lang="nl-NL" sz="900" dirty="0">
-                        <a:effectLst/>
-                        <a:latin typeface="Calibri" panose="020F0502020204030204" pitchFamily="34" charset="0"/>
-                        <a:ea typeface="Calibri" panose="020F0502020204030204" pitchFamily="34" charset="0"/>
-                        <a:cs typeface="Arial" panose="020B0604020202020204" pitchFamily="34" charset="0"/>
-                      </a:endParaRPr>
-                    </a:p>
-                  </a:txBody>
-                  <a:tcPr marL="27609" marR="27609" marT="0" marB="0"/>
-                </a:tc>
-                <a:tc>
-                  <a:txBody>
-                    <a:bodyPr/>
-                    <a:lstStyle/>
-                    <a:p>
-                      <a:r>
-                        <a:rPr lang="nl-NL" sz="900" dirty="0">
-                          <a:effectLst/>
-                        </a:rPr>
-                        <a:t>Wat</a:t>
-                      </a:r>
-                      <a:endParaRPr lang="nl-NL" sz="900" dirty="0">
-                        <a:effectLst/>
-                        <a:latin typeface="Calibri" panose="020F0502020204030204" pitchFamily="34" charset="0"/>
-                        <a:ea typeface="Calibri" panose="020F0502020204030204" pitchFamily="34" charset="0"/>
-                        <a:cs typeface="Arial" panose="020B0604020202020204" pitchFamily="34" charset="0"/>
-                      </a:endParaRPr>
-                    </a:p>
-                  </a:txBody>
-                  <a:tcPr marL="27609" marR="27609" marT="0" marB="0"/>
-                </a:tc>
-                <a:tc>
-                  <a:txBody>
-                    <a:bodyPr/>
-                    <a:lstStyle/>
-                    <a:p>
-                      <a:r>
-                        <a:rPr lang="nl-NL" sz="900">
-                          <a:effectLst/>
-                        </a:rPr>
-                        <a:t>Wie</a:t>
-                      </a:r>
-                      <a:endParaRPr lang="nl-NL" sz="900">
-                        <a:effectLst/>
-                        <a:latin typeface="Calibri" panose="020F0502020204030204" pitchFamily="34" charset="0"/>
-                        <a:ea typeface="Calibri" panose="020F0502020204030204" pitchFamily="34" charset="0"/>
-                        <a:cs typeface="Arial" panose="020B0604020202020204" pitchFamily="34" charset="0"/>
-                      </a:endParaRPr>
-                    </a:p>
-                  </a:txBody>
-                  <a:tcPr marL="27609" marR="27609" marT="0" marB="0"/>
-                </a:tc>
-                <a:tc>
-                  <a:txBody>
-                    <a:bodyPr/>
-                    <a:lstStyle/>
-                    <a:p>
-                      <a:r>
-                        <a:rPr lang="nl-NL" sz="900">
-                          <a:effectLst/>
-                        </a:rPr>
-                        <a:t>Waarom</a:t>
-                      </a:r>
-                      <a:endParaRPr lang="nl-NL" sz="900">
-                        <a:effectLst/>
-                        <a:latin typeface="Calibri" panose="020F0502020204030204" pitchFamily="34" charset="0"/>
-                        <a:ea typeface="Calibri" panose="020F0502020204030204" pitchFamily="34" charset="0"/>
-                        <a:cs typeface="Arial" panose="020B0604020202020204" pitchFamily="34" charset="0"/>
-                      </a:endParaRPr>
-                    </a:p>
-                  </a:txBody>
-                  <a:tcPr marL="27609" marR="27609" marT="0" marB="0"/>
-                </a:tc>
-                <a:tc>
-                  <a:txBody>
-                    <a:bodyPr/>
-                    <a:lstStyle/>
-                    <a:p>
-                      <a:r>
-                        <a:rPr lang="nl-NL" sz="900">
-                          <a:effectLst/>
-                        </a:rPr>
-                        <a:t>Taken</a:t>
-                      </a:r>
-                      <a:endParaRPr lang="nl-NL" sz="900">
-                        <a:effectLst/>
-                        <a:latin typeface="Calibri" panose="020F0502020204030204" pitchFamily="34" charset="0"/>
-                        <a:ea typeface="Calibri" panose="020F0502020204030204" pitchFamily="34" charset="0"/>
-                        <a:cs typeface="Arial" panose="020B0604020202020204" pitchFamily="34" charset="0"/>
-                      </a:endParaRPr>
-                    </a:p>
-                  </a:txBody>
-                  <a:tcPr marL="27609" marR="27609" marT="0" marB="0"/>
-                </a:tc>
-                <a:tc>
-                  <a:txBody>
-                    <a:bodyPr/>
-                    <a:lstStyle/>
-                    <a:p>
-                      <a:r>
-                        <a:rPr lang="nl-NL" sz="900">
-                          <a:effectLst/>
-                        </a:rPr>
-                        <a:t>Moeilijkheids-graad</a:t>
-                      </a:r>
-                      <a:endParaRPr lang="nl-NL" sz="900">
-                        <a:effectLst/>
-                        <a:latin typeface="Calibri" panose="020F0502020204030204" pitchFamily="34" charset="0"/>
-                        <a:ea typeface="Calibri" panose="020F0502020204030204" pitchFamily="34" charset="0"/>
-                        <a:cs typeface="Arial" panose="020B0604020202020204" pitchFamily="34" charset="0"/>
-                      </a:endParaRPr>
-                    </a:p>
-                  </a:txBody>
-                  <a:tcPr marL="27609" marR="27609" marT="0" marB="0"/>
-                </a:tc>
-                <a:tc>
-                  <a:txBody>
-                    <a:bodyPr/>
-                    <a:lstStyle/>
-                    <a:p>
-                      <a:r>
-                        <a:rPr lang="nl-NL" sz="900">
-                          <a:effectLst/>
-                        </a:rPr>
-                        <a:t>Acceptance criteria</a:t>
-                      </a:r>
-                      <a:endParaRPr lang="nl-NL" sz="900">
-                        <a:effectLst/>
-                        <a:latin typeface="Calibri" panose="020F0502020204030204" pitchFamily="34" charset="0"/>
-                        <a:ea typeface="Calibri" panose="020F0502020204030204" pitchFamily="34" charset="0"/>
-                        <a:cs typeface="Arial" panose="020B0604020202020204" pitchFamily="34" charset="0"/>
-                      </a:endParaRPr>
-                    </a:p>
-                  </a:txBody>
-                  <a:tcPr marL="27609" marR="27609" marT="0" marB="0"/>
-                </a:tc>
-                <a:extLst>
-                  <a:ext uri="{0D108BD9-81ED-4DB2-BD59-A6C34878D82A}">
-                    <a16:rowId xmlns:a16="http://schemas.microsoft.com/office/drawing/2014/main" val="1893524134"/>
-                  </a:ext>
-                </a:extLst>
-              </a:tr>
-              <a:tr h="296730">
-                <a:tc>
-                  <a:txBody>
-                    <a:bodyPr/>
-                    <a:lstStyle/>
-                    <a:p>
-                      <a:r>
-                        <a:rPr lang="nl-NL" sz="900" dirty="0">
-                          <a:effectLst/>
-                        </a:rPr>
-                        <a:t>1</a:t>
-                      </a:r>
-                      <a:endParaRPr lang="nl-NL" sz="900" dirty="0">
-                        <a:effectLst/>
-                        <a:latin typeface="Calibri" panose="020F0502020204030204" pitchFamily="34" charset="0"/>
-                        <a:ea typeface="Calibri" panose="020F0502020204030204" pitchFamily="34" charset="0"/>
-                        <a:cs typeface="Arial" panose="020B0604020202020204" pitchFamily="34" charset="0"/>
-                      </a:endParaRPr>
-                    </a:p>
-                  </a:txBody>
-                  <a:tcPr marL="27609" marR="27609" marT="0" marB="0"/>
-                </a:tc>
-                <a:tc>
-                  <a:txBody>
-                    <a:bodyPr/>
-                    <a:lstStyle/>
-                    <a:p>
-                      <a:r>
-                        <a:rPr lang="nl-NL" sz="900" dirty="0">
-                          <a:effectLst/>
-                        </a:rPr>
-                        <a:t>Je pas kunnen scannen.</a:t>
-                      </a:r>
-                      <a:endParaRPr lang="nl-NL" sz="900" dirty="0">
-                        <a:effectLst/>
-                        <a:latin typeface="Calibri" panose="020F0502020204030204" pitchFamily="34" charset="0"/>
-                        <a:ea typeface="Calibri" panose="020F0502020204030204" pitchFamily="34" charset="0"/>
-                        <a:cs typeface="Arial" panose="020B0604020202020204" pitchFamily="34" charset="0"/>
-                      </a:endParaRPr>
-                    </a:p>
-                  </a:txBody>
-                  <a:tcPr marL="27609" marR="27609" marT="0" marB="0"/>
-                </a:tc>
-                <a:tc>
-                  <a:txBody>
-                    <a:bodyPr/>
-                    <a:lstStyle/>
-                    <a:p>
-                      <a:r>
-                        <a:rPr lang="nl-NL" sz="900" dirty="0">
-                          <a:effectLst/>
-                        </a:rPr>
-                        <a:t>De opdrachtgever</a:t>
-                      </a:r>
-                      <a:endParaRPr lang="nl-NL" sz="900" dirty="0">
-                        <a:effectLst/>
-                        <a:latin typeface="Calibri" panose="020F0502020204030204" pitchFamily="34" charset="0"/>
-                        <a:ea typeface="Calibri" panose="020F0502020204030204" pitchFamily="34" charset="0"/>
-                        <a:cs typeface="Arial" panose="020B0604020202020204" pitchFamily="34" charset="0"/>
-                      </a:endParaRPr>
-                    </a:p>
-                  </a:txBody>
-                  <a:tcPr marL="27609" marR="27609" marT="0" marB="0"/>
-                </a:tc>
-                <a:tc>
-                  <a:txBody>
-                    <a:bodyPr/>
-                    <a:lstStyle/>
-                    <a:p>
-                      <a:r>
-                        <a:rPr lang="nl-NL" sz="900">
-                          <a:effectLst/>
-                        </a:rPr>
-                        <a:t>Zodat het systeem jouw identiteit en saldo kan checken.</a:t>
-                      </a:r>
-                      <a:endParaRPr lang="nl-NL" sz="900">
-                        <a:effectLst/>
-                        <a:latin typeface="Calibri" panose="020F0502020204030204" pitchFamily="34" charset="0"/>
-                        <a:ea typeface="Calibri" panose="020F0502020204030204" pitchFamily="34" charset="0"/>
-                        <a:cs typeface="Arial" panose="020B0604020202020204" pitchFamily="34" charset="0"/>
-                      </a:endParaRPr>
-                    </a:p>
-                  </a:txBody>
-                  <a:tcPr marL="27609" marR="27609" marT="0" marB="0"/>
-                </a:tc>
-                <a:tc>
-                  <a:txBody>
-                    <a:bodyPr/>
-                    <a:lstStyle/>
-                    <a:p>
-                      <a:r>
-                        <a:rPr lang="nl-NL" sz="900" dirty="0" err="1">
-                          <a:solidFill>
-                            <a:srgbClr val="00B050"/>
-                          </a:solidFill>
-                          <a:effectLst/>
-                        </a:rPr>
-                        <a:t>Fritzing</a:t>
-                      </a:r>
-                      <a:r>
-                        <a:rPr lang="nl-NL" sz="900" dirty="0">
-                          <a:solidFill>
-                            <a:srgbClr val="00B050"/>
-                          </a:solidFill>
-                          <a:effectLst/>
-                        </a:rPr>
-                        <a:t> maken van de RFID</a:t>
-                      </a:r>
-                      <a:endParaRPr lang="nl-NL" sz="900" dirty="0">
-                        <a:solidFill>
-                          <a:srgbClr val="00B050"/>
-                        </a:solidFill>
-                        <a:effectLst/>
-                        <a:latin typeface="Calibri" panose="020F0502020204030204" pitchFamily="34" charset="0"/>
-                        <a:ea typeface="Calibri" panose="020F0502020204030204" pitchFamily="34" charset="0"/>
-                        <a:cs typeface="Arial" panose="020B0604020202020204" pitchFamily="34" charset="0"/>
-                      </a:endParaRPr>
-                    </a:p>
-                  </a:txBody>
-                  <a:tcPr marL="27609" marR="27609" marT="0" marB="0"/>
-                </a:tc>
-                <a:tc>
-                  <a:txBody>
-                    <a:bodyPr/>
-                    <a:lstStyle/>
-                    <a:p>
-                      <a:r>
-                        <a:rPr lang="nl-NL" sz="900">
-                          <a:effectLst/>
-                        </a:rPr>
-                        <a:t>4</a:t>
-                      </a:r>
-                      <a:endParaRPr lang="nl-NL" sz="900">
-                        <a:effectLst/>
-                        <a:latin typeface="Calibri" panose="020F0502020204030204" pitchFamily="34" charset="0"/>
-                        <a:ea typeface="Calibri" panose="020F0502020204030204" pitchFamily="34" charset="0"/>
-                        <a:cs typeface="Arial" panose="020B0604020202020204" pitchFamily="34" charset="0"/>
-                      </a:endParaRPr>
-                    </a:p>
-                  </a:txBody>
-                  <a:tcPr marL="27609" marR="27609" marT="0" marB="0"/>
-                </a:tc>
-                <a:tc>
-                  <a:txBody>
-                    <a:bodyPr/>
-                    <a:lstStyle/>
-                    <a:p>
-                      <a:r>
-                        <a:rPr lang="nl-NL" sz="900">
-                          <a:effectLst/>
-                        </a:rPr>
-                        <a:t>Een signaal terug kunnen krijgen van het pasje.</a:t>
-                      </a:r>
-                      <a:endParaRPr lang="nl-NL" sz="900">
-                        <a:effectLst/>
-                        <a:latin typeface="Calibri" panose="020F0502020204030204" pitchFamily="34" charset="0"/>
-                        <a:ea typeface="Calibri" panose="020F0502020204030204" pitchFamily="34" charset="0"/>
-                        <a:cs typeface="Arial" panose="020B0604020202020204" pitchFamily="34" charset="0"/>
-                      </a:endParaRPr>
-                    </a:p>
-                  </a:txBody>
-                  <a:tcPr marL="27609" marR="27609" marT="0" marB="0"/>
-                </a:tc>
-                <a:extLst>
-                  <a:ext uri="{0D108BD9-81ED-4DB2-BD59-A6C34878D82A}">
-                    <a16:rowId xmlns:a16="http://schemas.microsoft.com/office/drawing/2014/main" val="1439288161"/>
-                  </a:ext>
-                </a:extLst>
-              </a:tr>
-              <a:tr h="164262">
-                <a:tc>
-                  <a:txBody>
-                    <a:bodyPr/>
-                    <a:lstStyle/>
-                    <a:p>
-                      <a:r>
-                        <a:rPr lang="nl-NL" sz="900">
-                          <a:effectLst/>
-                        </a:rPr>
-                        <a:t> </a:t>
-                      </a:r>
-                      <a:endParaRPr lang="nl-NL" sz="900">
-                        <a:effectLst/>
-                        <a:latin typeface="Calibri" panose="020F0502020204030204" pitchFamily="34" charset="0"/>
-                        <a:ea typeface="Calibri" panose="020F0502020204030204" pitchFamily="34" charset="0"/>
-                        <a:cs typeface="Arial" panose="020B0604020202020204" pitchFamily="34" charset="0"/>
-                      </a:endParaRPr>
-                    </a:p>
-                  </a:txBody>
-                  <a:tcPr marL="27609" marR="27609" marT="0" marB="0"/>
-                </a:tc>
-                <a:tc>
-                  <a:txBody>
-                    <a:bodyPr/>
-                    <a:lstStyle/>
-                    <a:p>
-                      <a:r>
-                        <a:rPr lang="nl-NL" sz="900" dirty="0">
-                          <a:effectLst/>
-                        </a:rPr>
-                        <a:t> </a:t>
-                      </a:r>
-                      <a:endParaRPr lang="nl-NL" sz="900" dirty="0">
-                        <a:effectLst/>
-                        <a:latin typeface="Calibri" panose="020F0502020204030204" pitchFamily="34" charset="0"/>
-                        <a:ea typeface="Calibri" panose="020F0502020204030204" pitchFamily="34" charset="0"/>
-                        <a:cs typeface="Arial" panose="020B0604020202020204" pitchFamily="34" charset="0"/>
-                      </a:endParaRPr>
-                    </a:p>
-                  </a:txBody>
-                  <a:tcPr marL="27609" marR="27609" marT="0" marB="0"/>
-                </a:tc>
-                <a:tc>
-                  <a:txBody>
-                    <a:bodyPr/>
-                    <a:lstStyle/>
-                    <a:p>
-                      <a:r>
-                        <a:rPr lang="nl-NL" sz="900" dirty="0">
-                          <a:effectLst/>
-                        </a:rPr>
-                        <a:t> </a:t>
-                      </a:r>
-                      <a:endParaRPr lang="nl-NL" sz="900" dirty="0">
-                        <a:effectLst/>
-                        <a:latin typeface="Calibri" panose="020F0502020204030204" pitchFamily="34" charset="0"/>
-                        <a:ea typeface="Calibri" panose="020F0502020204030204" pitchFamily="34" charset="0"/>
-                        <a:cs typeface="Arial" panose="020B0604020202020204" pitchFamily="34" charset="0"/>
-                      </a:endParaRPr>
-                    </a:p>
-                  </a:txBody>
-                  <a:tcPr marL="27609" marR="27609" marT="0" marB="0"/>
-                </a:tc>
-                <a:tc>
-                  <a:txBody>
-                    <a:bodyPr/>
-                    <a:lstStyle/>
-                    <a:p>
-                      <a:r>
-                        <a:rPr lang="nl-NL" sz="900">
-                          <a:effectLst/>
-                        </a:rPr>
-                        <a:t> </a:t>
-                      </a:r>
-                      <a:endParaRPr lang="nl-NL" sz="900">
-                        <a:effectLst/>
-                        <a:latin typeface="Calibri" panose="020F0502020204030204" pitchFamily="34" charset="0"/>
-                        <a:ea typeface="Calibri" panose="020F0502020204030204" pitchFamily="34" charset="0"/>
-                        <a:cs typeface="Arial" panose="020B0604020202020204" pitchFamily="34" charset="0"/>
-                      </a:endParaRPr>
-                    </a:p>
-                  </a:txBody>
-                  <a:tcPr marL="27609" marR="27609" marT="0" marB="0"/>
-                </a:tc>
-                <a:tc>
-                  <a:txBody>
-                    <a:bodyPr/>
-                    <a:lstStyle/>
-                    <a:p>
-                      <a:r>
-                        <a:rPr lang="nl-NL" sz="900" dirty="0">
-                          <a:solidFill>
-                            <a:srgbClr val="FF0000"/>
-                          </a:solidFill>
-                          <a:effectLst/>
-                        </a:rPr>
-                        <a:t>Ontwerp voor pashouder.</a:t>
-                      </a:r>
-                      <a:endParaRPr lang="nl-NL" sz="900" dirty="0">
-                        <a:solidFill>
-                          <a:srgbClr val="FF0000"/>
-                        </a:solidFill>
-                        <a:effectLst/>
-                        <a:latin typeface="Calibri" panose="020F0502020204030204" pitchFamily="34" charset="0"/>
-                        <a:ea typeface="Calibri" panose="020F0502020204030204" pitchFamily="34" charset="0"/>
-                        <a:cs typeface="Arial" panose="020B0604020202020204" pitchFamily="34" charset="0"/>
-                      </a:endParaRPr>
-                    </a:p>
-                  </a:txBody>
-                  <a:tcPr marL="27609" marR="27609" marT="0" marB="0"/>
-                </a:tc>
-                <a:tc>
-                  <a:txBody>
-                    <a:bodyPr/>
-                    <a:lstStyle/>
-                    <a:p>
-                      <a:r>
-                        <a:rPr lang="nl-NL" sz="900">
-                          <a:effectLst/>
-                        </a:rPr>
-                        <a:t> </a:t>
-                      </a:r>
-                      <a:endParaRPr lang="nl-NL" sz="900">
-                        <a:effectLst/>
-                        <a:latin typeface="Calibri" panose="020F0502020204030204" pitchFamily="34" charset="0"/>
-                        <a:ea typeface="Calibri" panose="020F0502020204030204" pitchFamily="34" charset="0"/>
-                        <a:cs typeface="Arial" panose="020B0604020202020204" pitchFamily="34" charset="0"/>
-                      </a:endParaRPr>
-                    </a:p>
-                  </a:txBody>
-                  <a:tcPr marL="27609" marR="27609" marT="0" marB="0"/>
-                </a:tc>
-                <a:tc>
-                  <a:txBody>
-                    <a:bodyPr/>
-                    <a:lstStyle/>
-                    <a:p>
-                      <a:r>
-                        <a:rPr lang="nl-NL" sz="900">
-                          <a:effectLst/>
-                        </a:rPr>
-                        <a:t>Zonder pas geen toegang tot het systeem.</a:t>
-                      </a:r>
-                      <a:endParaRPr lang="nl-NL" sz="900">
-                        <a:effectLst/>
-                        <a:latin typeface="Calibri" panose="020F0502020204030204" pitchFamily="34" charset="0"/>
-                        <a:ea typeface="Calibri" panose="020F0502020204030204" pitchFamily="34" charset="0"/>
-                        <a:cs typeface="Arial" panose="020B0604020202020204" pitchFamily="34" charset="0"/>
-                      </a:endParaRPr>
-                    </a:p>
-                  </a:txBody>
-                  <a:tcPr marL="27609" marR="27609" marT="0" marB="0"/>
-                </a:tc>
-                <a:extLst>
-                  <a:ext uri="{0D108BD9-81ED-4DB2-BD59-A6C34878D82A}">
-                    <a16:rowId xmlns:a16="http://schemas.microsoft.com/office/drawing/2014/main" val="1859330268"/>
-                  </a:ext>
-                </a:extLst>
-              </a:tr>
-              <a:tr h="164262">
-                <a:tc>
-                  <a:txBody>
-                    <a:bodyPr/>
-                    <a:lstStyle/>
-                    <a:p>
-                      <a:r>
-                        <a:rPr lang="nl-NL" sz="900">
-                          <a:effectLst/>
-                        </a:rPr>
-                        <a:t> </a:t>
-                      </a:r>
-                      <a:endParaRPr lang="nl-NL" sz="900">
-                        <a:effectLst/>
-                        <a:latin typeface="Calibri" panose="020F0502020204030204" pitchFamily="34" charset="0"/>
-                        <a:ea typeface="Calibri" panose="020F0502020204030204" pitchFamily="34" charset="0"/>
-                        <a:cs typeface="Arial" panose="020B0604020202020204" pitchFamily="34" charset="0"/>
-                      </a:endParaRPr>
-                    </a:p>
-                  </a:txBody>
-                  <a:tcPr marL="27609" marR="27609" marT="0" marB="0"/>
-                </a:tc>
-                <a:tc>
-                  <a:txBody>
-                    <a:bodyPr/>
-                    <a:lstStyle/>
-                    <a:p>
-                      <a:r>
-                        <a:rPr lang="nl-NL" sz="900" dirty="0">
-                          <a:effectLst/>
-                        </a:rPr>
-                        <a:t> </a:t>
-                      </a:r>
-                      <a:endParaRPr lang="nl-NL" sz="900" dirty="0">
-                        <a:effectLst/>
-                        <a:latin typeface="Calibri" panose="020F0502020204030204" pitchFamily="34" charset="0"/>
-                        <a:ea typeface="Calibri" panose="020F0502020204030204" pitchFamily="34" charset="0"/>
-                        <a:cs typeface="Arial" panose="020B0604020202020204" pitchFamily="34" charset="0"/>
-                      </a:endParaRPr>
-                    </a:p>
-                  </a:txBody>
-                  <a:tcPr marL="27609" marR="27609" marT="0" marB="0"/>
-                </a:tc>
-                <a:tc>
-                  <a:txBody>
-                    <a:bodyPr/>
-                    <a:lstStyle/>
-                    <a:p>
-                      <a:r>
-                        <a:rPr lang="nl-NL" sz="900" dirty="0">
-                          <a:effectLst/>
-                        </a:rPr>
-                        <a:t> </a:t>
-                      </a:r>
-                      <a:endParaRPr lang="nl-NL" sz="900" dirty="0">
-                        <a:effectLst/>
-                        <a:latin typeface="Calibri" panose="020F0502020204030204" pitchFamily="34" charset="0"/>
-                        <a:ea typeface="Calibri" panose="020F0502020204030204" pitchFamily="34" charset="0"/>
-                        <a:cs typeface="Arial" panose="020B0604020202020204" pitchFamily="34" charset="0"/>
-                      </a:endParaRPr>
-                    </a:p>
-                  </a:txBody>
-                  <a:tcPr marL="27609" marR="27609" marT="0" marB="0"/>
-                </a:tc>
-                <a:tc>
-                  <a:txBody>
-                    <a:bodyPr/>
-                    <a:lstStyle/>
-                    <a:p>
-                      <a:r>
-                        <a:rPr lang="nl-NL" sz="900">
-                          <a:effectLst/>
-                        </a:rPr>
-                        <a:t> </a:t>
-                      </a:r>
-                      <a:endParaRPr lang="nl-NL" sz="900">
-                        <a:effectLst/>
-                        <a:latin typeface="Calibri" panose="020F0502020204030204" pitchFamily="34" charset="0"/>
-                        <a:ea typeface="Calibri" panose="020F0502020204030204" pitchFamily="34" charset="0"/>
-                        <a:cs typeface="Arial" panose="020B0604020202020204" pitchFamily="34" charset="0"/>
-                      </a:endParaRPr>
-                    </a:p>
-                  </a:txBody>
-                  <a:tcPr marL="27609" marR="27609" marT="0" marB="0"/>
-                </a:tc>
-                <a:tc>
-                  <a:txBody>
-                    <a:bodyPr/>
-                    <a:lstStyle/>
-                    <a:p>
-                      <a:r>
-                        <a:rPr lang="nl-NL" sz="900" dirty="0">
-                          <a:solidFill>
-                            <a:srgbClr val="00B050"/>
-                          </a:solidFill>
-                          <a:effectLst/>
-                        </a:rPr>
-                        <a:t>RFID moet de pas kunnen detecteren.</a:t>
-                      </a:r>
-                      <a:endParaRPr lang="nl-NL" sz="900" dirty="0">
-                        <a:solidFill>
-                          <a:srgbClr val="00B050"/>
-                        </a:solidFill>
-                        <a:effectLst/>
-                        <a:latin typeface="Calibri" panose="020F0502020204030204" pitchFamily="34" charset="0"/>
-                        <a:ea typeface="Calibri" panose="020F0502020204030204" pitchFamily="34" charset="0"/>
-                        <a:cs typeface="Arial" panose="020B0604020202020204" pitchFamily="34" charset="0"/>
-                      </a:endParaRPr>
-                    </a:p>
-                  </a:txBody>
-                  <a:tcPr marL="27609" marR="27609" marT="0" marB="0"/>
-                </a:tc>
-                <a:tc>
-                  <a:txBody>
-                    <a:bodyPr/>
-                    <a:lstStyle/>
-                    <a:p>
-                      <a:r>
-                        <a:rPr lang="nl-NL" sz="900">
-                          <a:effectLst/>
-                        </a:rPr>
-                        <a:t> </a:t>
-                      </a:r>
-                      <a:endParaRPr lang="nl-NL" sz="900">
-                        <a:effectLst/>
-                        <a:latin typeface="Calibri" panose="020F0502020204030204" pitchFamily="34" charset="0"/>
-                        <a:ea typeface="Calibri" panose="020F0502020204030204" pitchFamily="34" charset="0"/>
-                        <a:cs typeface="Arial" panose="020B0604020202020204" pitchFamily="34" charset="0"/>
-                      </a:endParaRPr>
-                    </a:p>
-                  </a:txBody>
-                  <a:tcPr marL="27609" marR="27609" marT="0" marB="0"/>
-                </a:tc>
-                <a:tc>
-                  <a:txBody>
-                    <a:bodyPr/>
-                    <a:lstStyle/>
-                    <a:p>
-                      <a:r>
-                        <a:rPr lang="nl-NL" sz="900">
-                          <a:effectLst/>
-                        </a:rPr>
-                        <a:t> </a:t>
-                      </a:r>
-                      <a:endParaRPr lang="nl-NL" sz="900">
-                        <a:effectLst/>
-                        <a:latin typeface="Calibri" panose="020F0502020204030204" pitchFamily="34" charset="0"/>
-                        <a:ea typeface="Calibri" panose="020F0502020204030204" pitchFamily="34" charset="0"/>
-                        <a:cs typeface="Arial" panose="020B0604020202020204" pitchFamily="34" charset="0"/>
-                      </a:endParaRPr>
-                    </a:p>
-                  </a:txBody>
-                  <a:tcPr marL="27609" marR="27609" marT="0" marB="0"/>
-                </a:tc>
-                <a:extLst>
-                  <a:ext uri="{0D108BD9-81ED-4DB2-BD59-A6C34878D82A}">
-                    <a16:rowId xmlns:a16="http://schemas.microsoft.com/office/drawing/2014/main" val="4098863248"/>
-                  </a:ext>
-                </a:extLst>
-              </a:tr>
-              <a:tr h="296730">
-                <a:tc>
-                  <a:txBody>
-                    <a:bodyPr/>
-                    <a:lstStyle/>
-                    <a:p>
-                      <a:r>
-                        <a:rPr lang="nl-NL" sz="900">
-                          <a:effectLst/>
-                        </a:rPr>
-                        <a:t>2</a:t>
-                      </a:r>
-                      <a:endParaRPr lang="nl-NL" sz="900">
-                        <a:effectLst/>
-                        <a:latin typeface="Calibri" panose="020F0502020204030204" pitchFamily="34" charset="0"/>
-                        <a:ea typeface="Calibri" panose="020F0502020204030204" pitchFamily="34" charset="0"/>
-                        <a:cs typeface="Arial" panose="020B0604020202020204" pitchFamily="34" charset="0"/>
-                      </a:endParaRPr>
-                    </a:p>
-                  </a:txBody>
-                  <a:tcPr marL="27609" marR="27609" marT="0" marB="0"/>
-                </a:tc>
-                <a:tc>
-                  <a:txBody>
-                    <a:bodyPr/>
-                    <a:lstStyle/>
-                    <a:p>
-                      <a:r>
-                        <a:rPr lang="nl-NL" sz="900" dirty="0">
-                          <a:effectLst/>
-                        </a:rPr>
-                        <a:t>Een algemene GUI.</a:t>
-                      </a:r>
-                      <a:endParaRPr lang="nl-NL" sz="900" dirty="0">
-                        <a:effectLst/>
-                        <a:latin typeface="Calibri" panose="020F0502020204030204" pitchFamily="34" charset="0"/>
-                        <a:ea typeface="Calibri" panose="020F0502020204030204" pitchFamily="34" charset="0"/>
-                        <a:cs typeface="Arial" panose="020B0604020202020204" pitchFamily="34" charset="0"/>
-                      </a:endParaRPr>
-                    </a:p>
-                  </a:txBody>
-                  <a:tcPr marL="27609" marR="27609" marT="0" marB="0"/>
-                </a:tc>
-                <a:tc>
-                  <a:txBody>
-                    <a:bodyPr/>
-                    <a:lstStyle/>
-                    <a:p>
-                      <a:r>
-                        <a:rPr lang="nl-NL" sz="900" dirty="0">
-                          <a:effectLst/>
-                        </a:rPr>
-                        <a:t>De opdrachtgever</a:t>
-                      </a:r>
-                      <a:endParaRPr lang="nl-NL" sz="900" dirty="0">
-                        <a:effectLst/>
-                        <a:latin typeface="Calibri" panose="020F0502020204030204" pitchFamily="34" charset="0"/>
-                        <a:ea typeface="Calibri" panose="020F0502020204030204" pitchFamily="34" charset="0"/>
-                        <a:cs typeface="Arial" panose="020B0604020202020204" pitchFamily="34" charset="0"/>
-                      </a:endParaRPr>
-                    </a:p>
-                  </a:txBody>
-                  <a:tcPr marL="27609" marR="27609" marT="0" marB="0"/>
-                </a:tc>
-                <a:tc>
-                  <a:txBody>
-                    <a:bodyPr/>
-                    <a:lstStyle/>
-                    <a:p>
-                      <a:r>
-                        <a:rPr lang="nl-NL" sz="900">
-                          <a:effectLst/>
-                        </a:rPr>
-                        <a:t>Om de transacties te bekijken.</a:t>
-                      </a:r>
-                      <a:endParaRPr lang="nl-NL" sz="900">
-                        <a:effectLst/>
-                        <a:latin typeface="Calibri" panose="020F0502020204030204" pitchFamily="34" charset="0"/>
-                        <a:ea typeface="Calibri" panose="020F0502020204030204" pitchFamily="34" charset="0"/>
-                        <a:cs typeface="Arial" panose="020B0604020202020204" pitchFamily="34" charset="0"/>
-                      </a:endParaRPr>
-                    </a:p>
-                  </a:txBody>
-                  <a:tcPr marL="27609" marR="27609" marT="0" marB="0"/>
-                </a:tc>
-                <a:tc>
-                  <a:txBody>
-                    <a:bodyPr/>
-                    <a:lstStyle/>
-                    <a:p>
-                      <a:r>
-                        <a:rPr lang="nl-NL" sz="900" dirty="0">
-                          <a:solidFill>
-                            <a:srgbClr val="00B050"/>
-                          </a:solidFill>
-                          <a:effectLst/>
-                        </a:rPr>
-                        <a:t>Onderzoek naar GUI in Java. </a:t>
-                      </a:r>
-                      <a:endParaRPr lang="nl-NL" sz="900" dirty="0">
-                        <a:solidFill>
-                          <a:srgbClr val="00B050"/>
-                        </a:solidFill>
-                        <a:effectLst/>
-                        <a:latin typeface="Calibri" panose="020F0502020204030204" pitchFamily="34" charset="0"/>
-                        <a:ea typeface="Calibri" panose="020F0502020204030204" pitchFamily="34" charset="0"/>
-                        <a:cs typeface="Arial" panose="020B0604020202020204" pitchFamily="34" charset="0"/>
-                      </a:endParaRPr>
-                    </a:p>
-                  </a:txBody>
-                  <a:tcPr marL="27609" marR="27609" marT="0" marB="0"/>
-                </a:tc>
-                <a:tc>
-                  <a:txBody>
-                    <a:bodyPr/>
-                    <a:lstStyle/>
-                    <a:p>
-                      <a:r>
-                        <a:rPr lang="nl-NL" sz="900">
-                          <a:effectLst/>
-                        </a:rPr>
-                        <a:t>10</a:t>
-                      </a:r>
-                      <a:endParaRPr lang="nl-NL" sz="900">
-                        <a:effectLst/>
-                        <a:latin typeface="Calibri" panose="020F0502020204030204" pitchFamily="34" charset="0"/>
-                        <a:ea typeface="Calibri" panose="020F0502020204030204" pitchFamily="34" charset="0"/>
-                        <a:cs typeface="Arial" panose="020B0604020202020204" pitchFamily="34" charset="0"/>
-                      </a:endParaRPr>
-                    </a:p>
-                  </a:txBody>
-                  <a:tcPr marL="27609" marR="27609" marT="0" marB="0"/>
-                </a:tc>
-                <a:tc>
-                  <a:txBody>
-                    <a:bodyPr/>
-                    <a:lstStyle/>
-                    <a:p>
-                      <a:r>
-                        <a:rPr lang="nl-NL" sz="900">
-                          <a:effectLst/>
-                        </a:rPr>
-                        <a:t>Een voor pagina moet een logo, taal knop en een hulp gif bevatten.</a:t>
-                      </a:r>
-                      <a:endParaRPr lang="nl-NL" sz="900">
-                        <a:effectLst/>
-                        <a:latin typeface="Calibri" panose="020F0502020204030204" pitchFamily="34" charset="0"/>
-                        <a:ea typeface="Calibri" panose="020F0502020204030204" pitchFamily="34" charset="0"/>
-                        <a:cs typeface="Arial" panose="020B0604020202020204" pitchFamily="34" charset="0"/>
-                      </a:endParaRPr>
-                    </a:p>
-                  </a:txBody>
-                  <a:tcPr marL="27609" marR="27609" marT="0" marB="0"/>
-                </a:tc>
-                <a:extLst>
-                  <a:ext uri="{0D108BD9-81ED-4DB2-BD59-A6C34878D82A}">
-                    <a16:rowId xmlns:a16="http://schemas.microsoft.com/office/drawing/2014/main" val="3930480786"/>
-                  </a:ext>
-                </a:extLst>
-              </a:tr>
-              <a:tr h="164262">
-                <a:tc>
-                  <a:txBody>
-                    <a:bodyPr/>
-                    <a:lstStyle/>
-                    <a:p>
-                      <a:r>
-                        <a:rPr lang="nl-NL" sz="900">
-                          <a:effectLst/>
-                        </a:rPr>
-                        <a:t> </a:t>
-                      </a:r>
-                      <a:endParaRPr lang="nl-NL" sz="900">
-                        <a:effectLst/>
-                        <a:latin typeface="Calibri" panose="020F0502020204030204" pitchFamily="34" charset="0"/>
-                        <a:ea typeface="Calibri" panose="020F0502020204030204" pitchFamily="34" charset="0"/>
-                        <a:cs typeface="Arial" panose="020B0604020202020204" pitchFamily="34" charset="0"/>
-                      </a:endParaRPr>
-                    </a:p>
-                  </a:txBody>
-                  <a:tcPr marL="27609" marR="27609" marT="0" marB="0"/>
-                </a:tc>
-                <a:tc>
-                  <a:txBody>
-                    <a:bodyPr/>
-                    <a:lstStyle/>
-                    <a:p>
-                      <a:r>
-                        <a:rPr lang="nl-NL" sz="900">
-                          <a:effectLst/>
-                        </a:rPr>
-                        <a:t> </a:t>
-                      </a:r>
-                      <a:endParaRPr lang="nl-NL" sz="900">
-                        <a:effectLst/>
-                        <a:latin typeface="Calibri" panose="020F0502020204030204" pitchFamily="34" charset="0"/>
-                        <a:ea typeface="Calibri" panose="020F0502020204030204" pitchFamily="34" charset="0"/>
-                        <a:cs typeface="Arial" panose="020B0604020202020204" pitchFamily="34" charset="0"/>
-                      </a:endParaRPr>
-                    </a:p>
-                  </a:txBody>
-                  <a:tcPr marL="27609" marR="27609" marT="0" marB="0"/>
-                </a:tc>
-                <a:tc>
-                  <a:txBody>
-                    <a:bodyPr/>
-                    <a:lstStyle/>
-                    <a:p>
-                      <a:r>
-                        <a:rPr lang="nl-NL" sz="900" dirty="0">
-                          <a:effectLst/>
-                        </a:rPr>
-                        <a:t> </a:t>
-                      </a:r>
-                      <a:endParaRPr lang="nl-NL" sz="900" dirty="0">
-                        <a:effectLst/>
-                        <a:latin typeface="Calibri" panose="020F0502020204030204" pitchFamily="34" charset="0"/>
-                        <a:ea typeface="Calibri" panose="020F0502020204030204" pitchFamily="34" charset="0"/>
-                        <a:cs typeface="Arial" panose="020B0604020202020204" pitchFamily="34" charset="0"/>
-                      </a:endParaRPr>
-                    </a:p>
-                  </a:txBody>
-                  <a:tcPr marL="27609" marR="27609" marT="0" marB="0"/>
-                </a:tc>
-                <a:tc>
-                  <a:txBody>
-                    <a:bodyPr/>
-                    <a:lstStyle/>
-                    <a:p>
-                      <a:r>
-                        <a:rPr lang="nl-NL" sz="900">
-                          <a:effectLst/>
-                        </a:rPr>
-                        <a:t> </a:t>
-                      </a:r>
-                      <a:endParaRPr lang="nl-NL" sz="900">
-                        <a:effectLst/>
-                        <a:latin typeface="Calibri" panose="020F0502020204030204" pitchFamily="34" charset="0"/>
-                        <a:ea typeface="Calibri" panose="020F0502020204030204" pitchFamily="34" charset="0"/>
-                        <a:cs typeface="Arial" panose="020B0604020202020204" pitchFamily="34" charset="0"/>
-                      </a:endParaRPr>
-                    </a:p>
-                  </a:txBody>
-                  <a:tcPr marL="27609" marR="27609" marT="0" marB="0"/>
-                </a:tc>
-                <a:tc>
-                  <a:txBody>
-                    <a:bodyPr/>
-                    <a:lstStyle/>
-                    <a:p>
-                      <a:r>
-                        <a:rPr lang="nl-NL" sz="900" dirty="0">
-                          <a:solidFill>
-                            <a:srgbClr val="00B050"/>
-                          </a:solidFill>
-                          <a:effectLst/>
-                        </a:rPr>
-                        <a:t>Een lay-out maken.</a:t>
-                      </a:r>
-                      <a:endParaRPr lang="nl-NL" sz="900" dirty="0">
-                        <a:solidFill>
-                          <a:srgbClr val="00B050"/>
-                        </a:solidFill>
-                        <a:effectLst/>
-                        <a:latin typeface="Calibri" panose="020F0502020204030204" pitchFamily="34" charset="0"/>
-                        <a:ea typeface="Calibri" panose="020F0502020204030204" pitchFamily="34" charset="0"/>
-                        <a:cs typeface="Arial" panose="020B0604020202020204" pitchFamily="34" charset="0"/>
-                      </a:endParaRPr>
-                    </a:p>
-                  </a:txBody>
-                  <a:tcPr marL="27609" marR="27609" marT="0" marB="0"/>
-                </a:tc>
-                <a:tc>
-                  <a:txBody>
-                    <a:bodyPr/>
-                    <a:lstStyle/>
-                    <a:p>
-                      <a:r>
-                        <a:rPr lang="nl-NL" sz="900">
-                          <a:effectLst/>
-                        </a:rPr>
-                        <a:t> </a:t>
-                      </a:r>
-                      <a:endParaRPr lang="nl-NL" sz="900">
-                        <a:effectLst/>
-                        <a:latin typeface="Calibri" panose="020F0502020204030204" pitchFamily="34" charset="0"/>
-                        <a:ea typeface="Calibri" panose="020F0502020204030204" pitchFamily="34" charset="0"/>
-                        <a:cs typeface="Arial" panose="020B0604020202020204" pitchFamily="34" charset="0"/>
-                      </a:endParaRPr>
-                    </a:p>
-                  </a:txBody>
-                  <a:tcPr marL="27609" marR="27609" marT="0" marB="0"/>
-                </a:tc>
-                <a:tc>
-                  <a:txBody>
-                    <a:bodyPr/>
-                    <a:lstStyle/>
-                    <a:p>
-                      <a:r>
-                        <a:rPr lang="nl-NL" sz="900">
-                          <a:effectLst/>
-                        </a:rPr>
-                        <a:t>Menu bevatten.</a:t>
-                      </a:r>
-                      <a:endParaRPr lang="nl-NL" sz="900">
-                        <a:effectLst/>
-                        <a:latin typeface="Calibri" panose="020F0502020204030204" pitchFamily="34" charset="0"/>
-                        <a:ea typeface="Calibri" panose="020F0502020204030204" pitchFamily="34" charset="0"/>
-                        <a:cs typeface="Arial" panose="020B0604020202020204" pitchFamily="34" charset="0"/>
-                      </a:endParaRPr>
-                    </a:p>
-                  </a:txBody>
-                  <a:tcPr marL="27609" marR="27609" marT="0" marB="0"/>
-                </a:tc>
-                <a:extLst>
-                  <a:ext uri="{0D108BD9-81ED-4DB2-BD59-A6C34878D82A}">
-                    <a16:rowId xmlns:a16="http://schemas.microsoft.com/office/drawing/2014/main" val="1480405571"/>
-                  </a:ext>
-                </a:extLst>
-              </a:tr>
-              <a:tr h="161524">
-                <a:tc>
-                  <a:txBody>
-                    <a:bodyPr/>
-                    <a:lstStyle/>
-                    <a:p>
-                      <a:r>
-                        <a:rPr lang="nl-NL" sz="900">
-                          <a:effectLst/>
-                        </a:rPr>
-                        <a:t> </a:t>
-                      </a:r>
-                      <a:endParaRPr lang="nl-NL" sz="900">
-                        <a:effectLst/>
-                        <a:latin typeface="Calibri" panose="020F0502020204030204" pitchFamily="34" charset="0"/>
-                        <a:ea typeface="Calibri" panose="020F0502020204030204" pitchFamily="34" charset="0"/>
-                        <a:cs typeface="Arial" panose="020B0604020202020204" pitchFamily="34" charset="0"/>
-                      </a:endParaRPr>
-                    </a:p>
-                  </a:txBody>
-                  <a:tcPr marL="27609" marR="27609" marT="0" marB="0"/>
-                </a:tc>
-                <a:tc>
-                  <a:txBody>
-                    <a:bodyPr/>
-                    <a:lstStyle/>
-                    <a:p>
-                      <a:r>
-                        <a:rPr lang="nl-NL" sz="900">
-                          <a:effectLst/>
-                        </a:rPr>
-                        <a:t> </a:t>
-                      </a:r>
-                      <a:endParaRPr lang="nl-NL" sz="900">
-                        <a:effectLst/>
-                        <a:latin typeface="Calibri" panose="020F0502020204030204" pitchFamily="34" charset="0"/>
-                        <a:ea typeface="Calibri" panose="020F0502020204030204" pitchFamily="34" charset="0"/>
-                        <a:cs typeface="Arial" panose="020B0604020202020204" pitchFamily="34" charset="0"/>
-                      </a:endParaRPr>
-                    </a:p>
-                  </a:txBody>
-                  <a:tcPr marL="27609" marR="27609" marT="0" marB="0"/>
-                </a:tc>
-                <a:tc>
-                  <a:txBody>
-                    <a:bodyPr/>
-                    <a:lstStyle/>
-                    <a:p>
-                      <a:r>
-                        <a:rPr lang="nl-NL" sz="900">
-                          <a:effectLst/>
-                        </a:rPr>
-                        <a:t> </a:t>
-                      </a:r>
-                      <a:endParaRPr lang="nl-NL" sz="900">
-                        <a:effectLst/>
-                        <a:latin typeface="Calibri" panose="020F0502020204030204" pitchFamily="34" charset="0"/>
-                        <a:ea typeface="Calibri" panose="020F0502020204030204" pitchFamily="34" charset="0"/>
-                        <a:cs typeface="Arial" panose="020B0604020202020204" pitchFamily="34" charset="0"/>
-                      </a:endParaRPr>
-                    </a:p>
-                  </a:txBody>
-                  <a:tcPr marL="27609" marR="27609" marT="0" marB="0"/>
-                </a:tc>
-                <a:tc>
-                  <a:txBody>
-                    <a:bodyPr/>
-                    <a:lstStyle/>
-                    <a:p>
-                      <a:r>
-                        <a:rPr lang="nl-NL" sz="900">
-                          <a:effectLst/>
-                        </a:rPr>
-                        <a:t> </a:t>
-                      </a:r>
-                      <a:endParaRPr lang="nl-NL" sz="900">
-                        <a:effectLst/>
-                        <a:latin typeface="Calibri" panose="020F0502020204030204" pitchFamily="34" charset="0"/>
-                        <a:ea typeface="Calibri" panose="020F0502020204030204" pitchFamily="34" charset="0"/>
-                        <a:cs typeface="Arial" panose="020B0604020202020204" pitchFamily="34" charset="0"/>
-                      </a:endParaRPr>
-                    </a:p>
-                  </a:txBody>
-                  <a:tcPr marL="27609" marR="27609" marT="0" marB="0"/>
-                </a:tc>
-                <a:tc>
-                  <a:txBody>
-                    <a:bodyPr/>
-                    <a:lstStyle/>
-                    <a:p>
-                      <a:r>
-                        <a:rPr lang="nl-NL" sz="900" dirty="0">
-                          <a:solidFill>
-                            <a:srgbClr val="00B050"/>
-                          </a:solidFill>
-                          <a:effectLst/>
-                        </a:rPr>
-                        <a:t>Coderen van de GUI.</a:t>
-                      </a:r>
-                      <a:endParaRPr lang="nl-NL" sz="900" dirty="0">
-                        <a:solidFill>
-                          <a:srgbClr val="00B050"/>
-                        </a:solidFill>
-                        <a:effectLst/>
-                        <a:latin typeface="Calibri" panose="020F0502020204030204" pitchFamily="34" charset="0"/>
-                        <a:ea typeface="Calibri" panose="020F0502020204030204" pitchFamily="34" charset="0"/>
-                        <a:cs typeface="Arial" panose="020B0604020202020204" pitchFamily="34" charset="0"/>
-                      </a:endParaRPr>
-                    </a:p>
-                  </a:txBody>
-                  <a:tcPr marL="27609" marR="27609" marT="0" marB="0"/>
-                </a:tc>
-                <a:tc>
-                  <a:txBody>
-                    <a:bodyPr/>
-                    <a:lstStyle/>
-                    <a:p>
-                      <a:r>
-                        <a:rPr lang="nl-NL" sz="900">
-                          <a:effectLst/>
-                        </a:rPr>
-                        <a:t> </a:t>
-                      </a:r>
-                      <a:endParaRPr lang="nl-NL" sz="900">
-                        <a:effectLst/>
-                        <a:latin typeface="Calibri" panose="020F0502020204030204" pitchFamily="34" charset="0"/>
-                        <a:ea typeface="Calibri" panose="020F0502020204030204" pitchFamily="34" charset="0"/>
-                        <a:cs typeface="Arial" panose="020B0604020202020204" pitchFamily="34" charset="0"/>
-                      </a:endParaRPr>
-                    </a:p>
-                  </a:txBody>
-                  <a:tcPr marL="27609" marR="27609" marT="0" marB="0"/>
-                </a:tc>
-                <a:tc>
-                  <a:txBody>
-                    <a:bodyPr/>
-                    <a:lstStyle/>
-                    <a:p>
-                      <a:r>
-                        <a:rPr lang="nl-NL" sz="900">
-                          <a:effectLst/>
-                        </a:rPr>
-                        <a:t> </a:t>
-                      </a:r>
-                      <a:endParaRPr lang="nl-NL" sz="900">
-                        <a:effectLst/>
-                        <a:latin typeface="Calibri" panose="020F0502020204030204" pitchFamily="34" charset="0"/>
-                        <a:ea typeface="Calibri" panose="020F0502020204030204" pitchFamily="34" charset="0"/>
-                        <a:cs typeface="Arial" panose="020B0604020202020204" pitchFamily="34" charset="0"/>
-                      </a:endParaRPr>
-                    </a:p>
-                  </a:txBody>
-                  <a:tcPr marL="27609" marR="27609" marT="0" marB="0"/>
-                </a:tc>
-                <a:extLst>
-                  <a:ext uri="{0D108BD9-81ED-4DB2-BD59-A6C34878D82A}">
-                    <a16:rowId xmlns:a16="http://schemas.microsoft.com/office/drawing/2014/main" val="3313732435"/>
-                  </a:ext>
-                </a:extLst>
-              </a:tr>
-              <a:tr h="296730">
-                <a:tc>
-                  <a:txBody>
-                    <a:bodyPr/>
-                    <a:lstStyle/>
-                    <a:p>
-                      <a:r>
-                        <a:rPr lang="nl-NL" sz="900" dirty="0">
-                          <a:effectLst/>
-                        </a:rPr>
-                        <a:t>3</a:t>
-                      </a:r>
-                      <a:endParaRPr lang="nl-NL" sz="900" dirty="0">
-                        <a:effectLst/>
-                        <a:latin typeface="Calibri" panose="020F0502020204030204" pitchFamily="34" charset="0"/>
-                        <a:ea typeface="Calibri" panose="020F0502020204030204" pitchFamily="34" charset="0"/>
-                        <a:cs typeface="Arial" panose="020B0604020202020204" pitchFamily="34" charset="0"/>
-                      </a:endParaRPr>
-                    </a:p>
-                  </a:txBody>
-                  <a:tcPr marL="27609" marR="27609" marT="0" marB="0"/>
-                </a:tc>
-                <a:tc>
-                  <a:txBody>
-                    <a:bodyPr/>
-                    <a:lstStyle/>
-                    <a:p>
-                      <a:r>
-                        <a:rPr lang="nl-NL" sz="900" dirty="0">
-                          <a:effectLst/>
-                        </a:rPr>
-                        <a:t>Je pincode in kunnen voeren.</a:t>
-                      </a:r>
-                      <a:endParaRPr lang="nl-NL" sz="900" dirty="0">
-                        <a:effectLst/>
-                        <a:latin typeface="Calibri" panose="020F0502020204030204" pitchFamily="34" charset="0"/>
-                        <a:ea typeface="Calibri" panose="020F0502020204030204" pitchFamily="34" charset="0"/>
-                        <a:cs typeface="Arial" panose="020B0604020202020204" pitchFamily="34" charset="0"/>
-                      </a:endParaRPr>
-                    </a:p>
-                  </a:txBody>
-                  <a:tcPr marL="27609" marR="27609" marT="0" marB="0"/>
-                </a:tc>
-                <a:tc>
-                  <a:txBody>
-                    <a:bodyPr/>
-                    <a:lstStyle/>
-                    <a:p>
-                      <a:r>
-                        <a:rPr lang="nl-NL" sz="900">
-                          <a:effectLst/>
-                        </a:rPr>
-                        <a:t>De opdrachtgever</a:t>
-                      </a:r>
-                      <a:endParaRPr lang="nl-NL" sz="900">
-                        <a:effectLst/>
-                        <a:latin typeface="Calibri" panose="020F0502020204030204" pitchFamily="34" charset="0"/>
-                        <a:ea typeface="Calibri" panose="020F0502020204030204" pitchFamily="34" charset="0"/>
-                        <a:cs typeface="Arial" panose="020B0604020202020204" pitchFamily="34" charset="0"/>
-                      </a:endParaRPr>
-                    </a:p>
-                  </a:txBody>
-                  <a:tcPr marL="27609" marR="27609" marT="0" marB="0"/>
-                </a:tc>
-                <a:tc>
-                  <a:txBody>
-                    <a:bodyPr/>
-                    <a:lstStyle/>
-                    <a:p>
-                      <a:r>
-                        <a:rPr lang="nl-NL" sz="900">
-                          <a:effectLst/>
-                        </a:rPr>
-                        <a:t>Om veilig te kunnen pinnen.</a:t>
-                      </a:r>
-                      <a:endParaRPr lang="nl-NL" sz="900">
-                        <a:effectLst/>
-                        <a:latin typeface="Calibri" panose="020F0502020204030204" pitchFamily="34" charset="0"/>
-                        <a:ea typeface="Calibri" panose="020F0502020204030204" pitchFamily="34" charset="0"/>
-                        <a:cs typeface="Arial" panose="020B0604020202020204" pitchFamily="34" charset="0"/>
-                      </a:endParaRPr>
-                    </a:p>
-                  </a:txBody>
-                  <a:tcPr marL="27609" marR="27609" marT="0" marB="0"/>
-                </a:tc>
-                <a:tc>
-                  <a:txBody>
-                    <a:bodyPr/>
-                    <a:lstStyle/>
-                    <a:p>
-                      <a:r>
-                        <a:rPr lang="nl-NL" sz="900" dirty="0" err="1">
-                          <a:solidFill>
-                            <a:srgbClr val="00B050"/>
-                          </a:solidFill>
-                          <a:effectLst/>
-                        </a:rPr>
-                        <a:t>Fritzing</a:t>
-                      </a:r>
-                      <a:r>
-                        <a:rPr lang="nl-NL" sz="900" dirty="0">
-                          <a:solidFill>
-                            <a:srgbClr val="00B050"/>
-                          </a:solidFill>
-                          <a:effectLst/>
-                        </a:rPr>
-                        <a:t> maken van de </a:t>
-                      </a:r>
-                      <a:r>
-                        <a:rPr lang="nl-NL" sz="900" dirty="0" err="1">
-                          <a:solidFill>
-                            <a:srgbClr val="00B050"/>
-                          </a:solidFill>
-                          <a:effectLst/>
-                        </a:rPr>
-                        <a:t>numpad</a:t>
-                      </a:r>
-                      <a:r>
-                        <a:rPr lang="nl-NL" sz="900" dirty="0">
-                          <a:effectLst/>
-                        </a:rPr>
-                        <a:t>.</a:t>
-                      </a:r>
-                      <a:endParaRPr lang="nl-NL" sz="900" dirty="0">
-                        <a:effectLst/>
-                        <a:latin typeface="Calibri" panose="020F0502020204030204" pitchFamily="34" charset="0"/>
-                        <a:ea typeface="Calibri" panose="020F0502020204030204" pitchFamily="34" charset="0"/>
-                        <a:cs typeface="Arial" panose="020B0604020202020204" pitchFamily="34" charset="0"/>
-                      </a:endParaRPr>
-                    </a:p>
-                  </a:txBody>
-                  <a:tcPr marL="27609" marR="27609" marT="0" marB="0"/>
-                </a:tc>
-                <a:tc>
-                  <a:txBody>
-                    <a:bodyPr/>
-                    <a:lstStyle/>
-                    <a:p>
-                      <a:r>
-                        <a:rPr lang="nl-NL" sz="900">
-                          <a:effectLst/>
-                        </a:rPr>
-                        <a:t>3</a:t>
-                      </a:r>
-                      <a:endParaRPr lang="nl-NL" sz="900">
-                        <a:effectLst/>
-                        <a:latin typeface="Calibri" panose="020F0502020204030204" pitchFamily="34" charset="0"/>
-                        <a:ea typeface="Calibri" panose="020F0502020204030204" pitchFamily="34" charset="0"/>
-                        <a:cs typeface="Arial" panose="020B0604020202020204" pitchFamily="34" charset="0"/>
-                      </a:endParaRPr>
-                    </a:p>
-                  </a:txBody>
-                  <a:tcPr marL="27609" marR="27609" marT="0" marB="0"/>
-                </a:tc>
-                <a:tc>
-                  <a:txBody>
-                    <a:bodyPr/>
-                    <a:lstStyle/>
-                    <a:p>
-                      <a:r>
-                        <a:rPr lang="nl-NL" sz="900" dirty="0">
-                          <a:effectLst/>
-                        </a:rPr>
-                        <a:t> De pincode moet gevraagd worden en opgenomen.</a:t>
-                      </a:r>
-                      <a:endParaRPr lang="nl-NL" sz="900" dirty="0">
-                        <a:effectLst/>
-                        <a:latin typeface="Calibri" panose="020F0502020204030204" pitchFamily="34" charset="0"/>
-                        <a:ea typeface="Calibri" panose="020F0502020204030204" pitchFamily="34" charset="0"/>
-                        <a:cs typeface="Arial" panose="020B0604020202020204" pitchFamily="34" charset="0"/>
-                      </a:endParaRPr>
-                    </a:p>
-                  </a:txBody>
-                  <a:tcPr marL="27609" marR="27609" marT="0" marB="0"/>
-                </a:tc>
-                <a:extLst>
-                  <a:ext uri="{0D108BD9-81ED-4DB2-BD59-A6C34878D82A}">
-                    <a16:rowId xmlns:a16="http://schemas.microsoft.com/office/drawing/2014/main" val="679273210"/>
-                  </a:ext>
-                </a:extLst>
-              </a:tr>
-              <a:tr h="296730">
-                <a:tc>
-                  <a:txBody>
-                    <a:bodyPr/>
-                    <a:lstStyle/>
-                    <a:p>
-                      <a:r>
-                        <a:rPr lang="nl-NL" sz="900">
-                          <a:effectLst/>
-                        </a:rPr>
-                        <a:t> </a:t>
-                      </a:r>
-                      <a:endParaRPr lang="nl-NL" sz="900">
-                        <a:effectLst/>
-                        <a:latin typeface="Calibri" panose="020F0502020204030204" pitchFamily="34" charset="0"/>
-                        <a:ea typeface="Calibri" panose="020F0502020204030204" pitchFamily="34" charset="0"/>
-                        <a:cs typeface="Arial" panose="020B0604020202020204" pitchFamily="34" charset="0"/>
-                      </a:endParaRPr>
-                    </a:p>
-                  </a:txBody>
-                  <a:tcPr marL="27609" marR="27609" marT="0" marB="0"/>
-                </a:tc>
-                <a:tc>
-                  <a:txBody>
-                    <a:bodyPr/>
-                    <a:lstStyle/>
-                    <a:p>
-                      <a:r>
-                        <a:rPr lang="nl-NL" sz="900">
-                          <a:effectLst/>
-                        </a:rPr>
-                        <a:t> </a:t>
-                      </a:r>
-                      <a:endParaRPr lang="nl-NL" sz="900">
-                        <a:effectLst/>
-                        <a:latin typeface="Calibri" panose="020F0502020204030204" pitchFamily="34" charset="0"/>
-                        <a:ea typeface="Calibri" panose="020F0502020204030204" pitchFamily="34" charset="0"/>
-                        <a:cs typeface="Arial" panose="020B0604020202020204" pitchFamily="34" charset="0"/>
-                      </a:endParaRPr>
-                    </a:p>
-                  </a:txBody>
-                  <a:tcPr marL="27609" marR="27609" marT="0" marB="0"/>
-                </a:tc>
-                <a:tc>
-                  <a:txBody>
-                    <a:bodyPr/>
-                    <a:lstStyle/>
-                    <a:p>
-                      <a:r>
-                        <a:rPr lang="nl-NL" sz="900">
-                          <a:effectLst/>
-                        </a:rPr>
-                        <a:t> </a:t>
-                      </a:r>
-                      <a:endParaRPr lang="nl-NL" sz="900">
-                        <a:effectLst/>
-                        <a:latin typeface="Calibri" panose="020F0502020204030204" pitchFamily="34" charset="0"/>
-                        <a:ea typeface="Calibri" panose="020F0502020204030204" pitchFamily="34" charset="0"/>
-                        <a:cs typeface="Arial" panose="020B0604020202020204" pitchFamily="34" charset="0"/>
-                      </a:endParaRPr>
-                    </a:p>
-                  </a:txBody>
-                  <a:tcPr marL="27609" marR="27609" marT="0" marB="0"/>
-                </a:tc>
-                <a:tc>
-                  <a:txBody>
-                    <a:bodyPr/>
-                    <a:lstStyle/>
-                    <a:p>
-                      <a:r>
-                        <a:rPr lang="nl-NL" sz="900">
-                          <a:effectLst/>
-                        </a:rPr>
-                        <a:t> </a:t>
-                      </a:r>
-                      <a:endParaRPr lang="nl-NL" sz="900">
-                        <a:effectLst/>
-                        <a:latin typeface="Calibri" panose="020F0502020204030204" pitchFamily="34" charset="0"/>
-                        <a:ea typeface="Calibri" panose="020F0502020204030204" pitchFamily="34" charset="0"/>
-                        <a:cs typeface="Arial" panose="020B0604020202020204" pitchFamily="34" charset="0"/>
-                      </a:endParaRPr>
-                    </a:p>
-                  </a:txBody>
-                  <a:tcPr marL="27609" marR="27609" marT="0" marB="0"/>
-                </a:tc>
-                <a:tc>
-                  <a:txBody>
-                    <a:bodyPr/>
-                    <a:lstStyle/>
-                    <a:p>
-                      <a:r>
-                        <a:rPr lang="nl-NL" sz="900" dirty="0">
-                          <a:solidFill>
-                            <a:srgbClr val="00B050"/>
-                          </a:solidFill>
-                          <a:effectLst/>
-                        </a:rPr>
-                        <a:t>Een array test opstellen, om codes op te slaan van de </a:t>
-                      </a:r>
-                      <a:r>
-                        <a:rPr lang="nl-NL" sz="900" dirty="0" err="1">
-                          <a:solidFill>
-                            <a:srgbClr val="00B050"/>
-                          </a:solidFill>
-                          <a:effectLst/>
-                        </a:rPr>
-                        <a:t>numpad</a:t>
-                      </a:r>
-                      <a:r>
-                        <a:rPr lang="nl-NL" sz="900" dirty="0">
-                          <a:solidFill>
-                            <a:srgbClr val="00B050"/>
-                          </a:solidFill>
-                          <a:effectLst/>
-                        </a:rPr>
-                        <a:t>.</a:t>
-                      </a:r>
-                      <a:endParaRPr lang="nl-NL" sz="900" dirty="0">
-                        <a:solidFill>
-                          <a:srgbClr val="00B050"/>
-                        </a:solidFill>
-                        <a:effectLst/>
-                        <a:latin typeface="Calibri" panose="020F0502020204030204" pitchFamily="34" charset="0"/>
-                        <a:ea typeface="Calibri" panose="020F0502020204030204" pitchFamily="34" charset="0"/>
-                        <a:cs typeface="Arial" panose="020B0604020202020204" pitchFamily="34" charset="0"/>
-                      </a:endParaRPr>
-                    </a:p>
-                  </a:txBody>
-                  <a:tcPr marL="27609" marR="27609" marT="0" marB="0"/>
-                </a:tc>
-                <a:tc>
-                  <a:txBody>
-                    <a:bodyPr/>
-                    <a:lstStyle/>
-                    <a:p>
-                      <a:r>
-                        <a:rPr lang="nl-NL" sz="900">
-                          <a:effectLst/>
-                        </a:rPr>
-                        <a:t> </a:t>
-                      </a:r>
-                      <a:endParaRPr lang="nl-NL" sz="900">
-                        <a:effectLst/>
-                        <a:latin typeface="Calibri" panose="020F0502020204030204" pitchFamily="34" charset="0"/>
-                        <a:ea typeface="Calibri" panose="020F0502020204030204" pitchFamily="34" charset="0"/>
-                        <a:cs typeface="Arial" panose="020B0604020202020204" pitchFamily="34" charset="0"/>
-                      </a:endParaRPr>
-                    </a:p>
-                  </a:txBody>
-                  <a:tcPr marL="27609" marR="27609" marT="0" marB="0"/>
-                </a:tc>
-                <a:tc>
-                  <a:txBody>
-                    <a:bodyPr/>
-                    <a:lstStyle/>
-                    <a:p>
-                      <a:r>
-                        <a:rPr lang="nl-NL" sz="900">
-                          <a:effectLst/>
-                        </a:rPr>
-                        <a:t> </a:t>
-                      </a:r>
-                      <a:endParaRPr lang="nl-NL" sz="900">
-                        <a:effectLst/>
-                        <a:latin typeface="Calibri" panose="020F0502020204030204" pitchFamily="34" charset="0"/>
-                        <a:ea typeface="Calibri" panose="020F0502020204030204" pitchFamily="34" charset="0"/>
-                        <a:cs typeface="Arial" panose="020B0604020202020204" pitchFamily="34" charset="0"/>
-                      </a:endParaRPr>
-                    </a:p>
-                  </a:txBody>
-                  <a:tcPr marL="27609" marR="27609" marT="0" marB="0"/>
-                </a:tc>
-                <a:extLst>
-                  <a:ext uri="{0D108BD9-81ED-4DB2-BD59-A6C34878D82A}">
-                    <a16:rowId xmlns:a16="http://schemas.microsoft.com/office/drawing/2014/main" val="3784707462"/>
-                  </a:ext>
-                </a:extLst>
-              </a:tr>
-              <a:tr h="164262">
-                <a:tc>
-                  <a:txBody>
-                    <a:bodyPr/>
-                    <a:lstStyle/>
-                    <a:p>
-                      <a:r>
-                        <a:rPr lang="nl-NL" sz="900">
-                          <a:effectLst/>
-                        </a:rPr>
-                        <a:t> </a:t>
-                      </a:r>
-                      <a:endParaRPr lang="nl-NL" sz="900">
-                        <a:effectLst/>
-                        <a:latin typeface="Calibri" panose="020F0502020204030204" pitchFamily="34" charset="0"/>
-                        <a:ea typeface="Calibri" panose="020F0502020204030204" pitchFamily="34" charset="0"/>
-                        <a:cs typeface="Arial" panose="020B0604020202020204" pitchFamily="34" charset="0"/>
-                      </a:endParaRPr>
-                    </a:p>
-                  </a:txBody>
-                  <a:tcPr marL="27609" marR="27609" marT="0" marB="0"/>
-                </a:tc>
-                <a:tc>
-                  <a:txBody>
-                    <a:bodyPr/>
-                    <a:lstStyle/>
-                    <a:p>
-                      <a:r>
-                        <a:rPr lang="nl-NL" sz="900">
-                          <a:effectLst/>
-                        </a:rPr>
-                        <a:t> </a:t>
-                      </a:r>
-                      <a:endParaRPr lang="nl-NL" sz="900">
-                        <a:effectLst/>
-                        <a:latin typeface="Calibri" panose="020F0502020204030204" pitchFamily="34" charset="0"/>
-                        <a:ea typeface="Calibri" panose="020F0502020204030204" pitchFamily="34" charset="0"/>
-                        <a:cs typeface="Arial" panose="020B0604020202020204" pitchFamily="34" charset="0"/>
-                      </a:endParaRPr>
-                    </a:p>
-                  </a:txBody>
-                  <a:tcPr marL="27609" marR="27609" marT="0" marB="0"/>
-                </a:tc>
-                <a:tc>
-                  <a:txBody>
-                    <a:bodyPr/>
-                    <a:lstStyle/>
-                    <a:p>
-                      <a:r>
-                        <a:rPr lang="nl-NL" sz="900">
-                          <a:effectLst/>
-                        </a:rPr>
-                        <a:t> </a:t>
-                      </a:r>
-                      <a:endParaRPr lang="nl-NL" sz="900">
-                        <a:effectLst/>
-                        <a:latin typeface="Calibri" panose="020F0502020204030204" pitchFamily="34" charset="0"/>
-                        <a:ea typeface="Calibri" panose="020F0502020204030204" pitchFamily="34" charset="0"/>
-                        <a:cs typeface="Arial" panose="020B0604020202020204" pitchFamily="34" charset="0"/>
-                      </a:endParaRPr>
-                    </a:p>
-                  </a:txBody>
-                  <a:tcPr marL="27609" marR="27609" marT="0" marB="0"/>
-                </a:tc>
-                <a:tc>
-                  <a:txBody>
-                    <a:bodyPr/>
-                    <a:lstStyle/>
-                    <a:p>
-                      <a:r>
-                        <a:rPr lang="nl-NL" sz="900">
-                          <a:effectLst/>
-                        </a:rPr>
-                        <a:t> </a:t>
-                      </a:r>
-                      <a:endParaRPr lang="nl-NL" sz="900">
-                        <a:effectLst/>
-                        <a:latin typeface="Calibri" panose="020F0502020204030204" pitchFamily="34" charset="0"/>
-                        <a:ea typeface="Calibri" panose="020F0502020204030204" pitchFamily="34" charset="0"/>
-                        <a:cs typeface="Arial" panose="020B0604020202020204" pitchFamily="34" charset="0"/>
-                      </a:endParaRPr>
-                    </a:p>
-                  </a:txBody>
-                  <a:tcPr marL="27609" marR="27609" marT="0" marB="0"/>
-                </a:tc>
-                <a:tc>
-                  <a:txBody>
-                    <a:bodyPr/>
-                    <a:lstStyle/>
-                    <a:p>
-                      <a:r>
-                        <a:rPr lang="nl-NL" sz="900">
-                          <a:effectLst/>
-                        </a:rPr>
-                        <a:t> </a:t>
-                      </a:r>
-                      <a:endParaRPr lang="nl-NL" sz="900">
-                        <a:effectLst/>
-                        <a:latin typeface="Calibri" panose="020F0502020204030204" pitchFamily="34" charset="0"/>
-                        <a:ea typeface="Calibri" panose="020F0502020204030204" pitchFamily="34" charset="0"/>
-                        <a:cs typeface="Arial" panose="020B0604020202020204" pitchFamily="34" charset="0"/>
-                      </a:endParaRPr>
-                    </a:p>
-                  </a:txBody>
-                  <a:tcPr marL="27609" marR="27609" marT="0" marB="0"/>
-                </a:tc>
-                <a:tc>
-                  <a:txBody>
-                    <a:bodyPr/>
-                    <a:lstStyle/>
-                    <a:p>
-                      <a:r>
-                        <a:rPr lang="nl-NL" sz="900">
-                          <a:effectLst/>
-                        </a:rPr>
-                        <a:t> </a:t>
-                      </a:r>
-                      <a:endParaRPr lang="nl-NL" sz="900">
-                        <a:effectLst/>
-                        <a:latin typeface="Calibri" panose="020F0502020204030204" pitchFamily="34" charset="0"/>
-                        <a:ea typeface="Calibri" panose="020F0502020204030204" pitchFamily="34" charset="0"/>
-                        <a:cs typeface="Arial" panose="020B0604020202020204" pitchFamily="34" charset="0"/>
-                      </a:endParaRPr>
-                    </a:p>
-                  </a:txBody>
-                  <a:tcPr marL="27609" marR="27609" marT="0" marB="0"/>
-                </a:tc>
-                <a:tc>
-                  <a:txBody>
-                    <a:bodyPr/>
-                    <a:lstStyle/>
-                    <a:p>
-                      <a:r>
-                        <a:rPr lang="nl-NL" sz="900" dirty="0">
-                          <a:effectLst/>
-                        </a:rPr>
-                        <a:t> </a:t>
-                      </a:r>
-                      <a:endParaRPr lang="nl-NL" sz="900" dirty="0">
-                        <a:effectLst/>
-                        <a:latin typeface="Calibri" panose="020F0502020204030204" pitchFamily="34" charset="0"/>
-                        <a:ea typeface="Calibri" panose="020F0502020204030204" pitchFamily="34" charset="0"/>
-                        <a:cs typeface="Arial" panose="020B0604020202020204" pitchFamily="34" charset="0"/>
-                      </a:endParaRPr>
-                    </a:p>
-                  </a:txBody>
-                  <a:tcPr marL="27609" marR="27609" marT="0" marB="0"/>
-                </a:tc>
-                <a:extLst>
-                  <a:ext uri="{0D108BD9-81ED-4DB2-BD59-A6C34878D82A}">
-                    <a16:rowId xmlns:a16="http://schemas.microsoft.com/office/drawing/2014/main" val="3319608329"/>
-                  </a:ext>
-                </a:extLst>
-              </a:tr>
-            </a:tbl>
-          </a:graphicData>
-        </a:graphic>
-      </p:graphicFrame>
-    </p:spTree>
-    <p:extLst>
-      <p:ext uri="{BB962C8B-B14F-4D97-AF65-F5344CB8AC3E}">
-        <p14:creationId xmlns:p14="http://schemas.microsoft.com/office/powerpoint/2010/main" val="2481830894"/>
-      </p:ext>
-    </p:extLst>
-  </p:cSld>
-  <p:clrMapOvr>
-    <a:masterClrMapping/>
-  </p:clrMapOvr>
-</p:sld>
-</file>
-
-<file path=ppt/slides/slide6.xml><?xml version="1.0" encoding="utf-8"?>
-<p:sld xmlns:a="http://schemas.openxmlformats.org/drawingml/2006/main" xmlns:r="http://schemas.openxmlformats.org/officeDocument/2006/relationships" xmlns:p="http://schemas.openxmlformats.org/presentationml/2006/main">
-  <p:cSld>
-    <p:spTree>
-      <p:nvGrpSpPr>
-        <p:cNvPr id="1" name=""/>
-        <p:cNvGrpSpPr/>
-        <p:nvPr/>
-      </p:nvGrpSpPr>
-      <p:grpSpPr>
-        <a:xfrm>
-          <a:off x="0" y="0"/>
-          <a:ext cx="0" cy="0"/>
-          <a:chOff x="0" y="0"/>
-          <a:chExt cx="0" cy="0"/>
-        </a:xfrm>
-      </p:grpSpPr>
-      <p:sp>
-        <p:nvSpPr>
           <p:cNvPr id="2" name="Titel 1">
             <a:extLst>
               <a:ext uri="{FF2B5EF4-FFF2-40B4-BE49-F238E27FC236}">
@@ -6025,7 +4213,7 @@
           <a:p>
             <a:r>
               <a:rPr lang="en-US" dirty="0" err="1"/>
-              <a:t>Nieuwe</a:t>
+              <a:t>oude</a:t>
             </a:r>
             <a:r>
               <a:rPr lang="en-US" dirty="0"/>
@@ -6945,6 +5133,1146 @@
     <p:extLst>
       <p:ext uri="{BB962C8B-B14F-4D97-AF65-F5344CB8AC3E}">
         <p14:creationId xmlns:p14="http://schemas.microsoft.com/office/powerpoint/2010/main" val="1900225325"/>
+      </p:ext>
+    </p:extLst>
+  </p:cSld>
+  <p:clrMapOvr>
+    <a:masterClrMapping/>
+  </p:clrMapOvr>
+</p:sld>
+</file>
+
+<file path=ppt/slides/slide6.xml><?xml version="1.0" encoding="utf-8"?>
+<p:sld xmlns:a="http://schemas.openxmlformats.org/drawingml/2006/main" xmlns:r="http://schemas.openxmlformats.org/officeDocument/2006/relationships" xmlns:p="http://schemas.openxmlformats.org/presentationml/2006/main">
+  <p:cSld>
+    <p:bg>
+      <p:bgPr>
+        <a:gradFill rotWithShape="1">
+          <a:gsLst>
+            <a:gs pos="0">
+              <a:schemeClr val="bg1">
+                <a:tint val="94000"/>
+                <a:satMod val="80000"/>
+                <a:lumMod val="106000"/>
+              </a:schemeClr>
+            </a:gs>
+            <a:gs pos="100000">
+              <a:schemeClr val="bg1">
+                <a:shade val="80000"/>
+              </a:schemeClr>
+            </a:gs>
+          </a:gsLst>
+          <a:path path="circle">
+            <a:fillToRect l="43000" r="43000" b="100000"/>
+          </a:path>
+        </a:gradFill>
+        <a:effectLst/>
+      </p:bgPr>
+    </p:bg>
+    <p:spTree>
+      <p:nvGrpSpPr>
+        <p:cNvPr id="1" name=""/>
+        <p:cNvGrpSpPr/>
+        <p:nvPr/>
+      </p:nvGrpSpPr>
+      <p:grpSpPr>
+        <a:xfrm>
+          <a:off x="0" y="0"/>
+          <a:ext cx="0" cy="0"/>
+          <a:chOff x="0" y="0"/>
+          <a:chExt cx="0" cy="0"/>
+        </a:xfrm>
+      </p:grpSpPr>
+      <p:sp useBgFill="1">
+        <p:nvSpPr>
+          <p:cNvPr id="9" name="Rectangle 8">
+            <a:extLst>
+              <a:ext uri="{FF2B5EF4-FFF2-40B4-BE49-F238E27FC236}">
+                <a16:creationId xmlns:a16="http://schemas.microsoft.com/office/drawing/2014/main" id="{A538C7E5-0116-453C-9CD0-757E1C972DB5}"/>
+              </a:ext>
+              <a:ext uri="{C183D7F6-B498-43B3-948B-1728B52AA6E4}">
+                <adec:decorative xmlns:adec="http://schemas.microsoft.com/office/drawing/2017/decorative" val="1"/>
+              </a:ext>
+            </a:extLst>
+          </p:cNvPr>
+          <p:cNvSpPr>
+            <a:spLocks noGrp="1" noRot="1" noChangeAspect="1" noMove="1" noResize="1" noEditPoints="1" noAdjustHandles="1" noChangeArrowheads="1" noChangeShapeType="1" noTextEdit="1"/>
+          </p:cNvSpPr>
+          <p:nvPr>
+            <p:extLst>
+              <p:ext uri="{386F3935-93C4-4BCD-93E2-E3B085C9AB24}">
+                <p16:designElem xmlns:p16="http://schemas.microsoft.com/office/powerpoint/2015/main" val="1"/>
+              </p:ext>
+            </p:extLst>
+          </p:nvPr>
+        </p:nvSpPr>
+        <p:spPr>
+          <a:xfrm>
+            <a:off x="2" y="0"/>
+            <a:ext cx="12191695" cy="6858000"/>
+          </a:xfrm>
+          <a:prstGeom prst="rect">
+            <a:avLst/>
+          </a:prstGeom>
+          <a:ln>
+            <a:noFill/>
+          </a:ln>
+        </p:spPr>
+        <p:style>
+          <a:lnRef idx="2">
+            <a:schemeClr val="accent1">
+              <a:shade val="50000"/>
+            </a:schemeClr>
+          </a:lnRef>
+          <a:fillRef idx="1">
+            <a:schemeClr val="accent1"/>
+          </a:fillRef>
+          <a:effectRef idx="0">
+            <a:schemeClr val="accent1"/>
+          </a:effectRef>
+          <a:fontRef idx="minor">
+            <a:schemeClr val="lt1"/>
+          </a:fontRef>
+        </p:style>
+        <p:txBody>
+          <a:bodyPr rtlCol="0" anchor="ctr"/>
+          <a:lstStyle/>
+          <a:p>
+            <a:pPr algn="ctr"/>
+            <a:endParaRPr lang="en-US"/>
+          </a:p>
+        </p:txBody>
+      </p:sp>
+      <p:sp>
+        <p:nvSpPr>
+          <p:cNvPr id="2" name="Titel 1">
+            <a:extLst>
+              <a:ext uri="{FF2B5EF4-FFF2-40B4-BE49-F238E27FC236}">
+                <a16:creationId xmlns:a16="http://schemas.microsoft.com/office/drawing/2014/main" id="{08A97AB2-EB8B-4186-82DB-45131BD0500B}"/>
+              </a:ext>
+            </a:extLst>
+          </p:cNvPr>
+          <p:cNvSpPr>
+            <a:spLocks noGrp="1"/>
+          </p:cNvSpPr>
+          <p:nvPr>
+            <p:ph type="title"/>
+          </p:nvPr>
+        </p:nvSpPr>
+        <p:spPr>
+          <a:xfrm>
+            <a:off x="1451579" y="804519"/>
+            <a:ext cx="9291215" cy="1049235"/>
+          </a:xfrm>
+        </p:spPr>
+        <p:txBody>
+          <a:bodyPr>
+            <a:normAutofit/>
+          </a:bodyPr>
+          <a:lstStyle/>
+          <a:p>
+            <a:r>
+              <a:rPr lang="en-US" dirty="0" err="1"/>
+              <a:t>Nieuwe</a:t>
+            </a:r>
+            <a:r>
+              <a:rPr lang="en-US" dirty="0"/>
+              <a:t> </a:t>
+            </a:r>
+            <a:r>
+              <a:rPr lang="en-US" dirty="0" err="1"/>
+              <a:t>Presentatie</a:t>
+            </a:r>
+            <a:r>
+              <a:rPr lang="en-US" dirty="0"/>
+              <a:t> Sprint Backlog</a:t>
+            </a:r>
+            <a:endParaRPr lang="nl-NL" dirty="0"/>
+          </a:p>
+        </p:txBody>
+      </p:sp>
+      <p:cxnSp>
+        <p:nvCxnSpPr>
+          <p:cNvPr id="11" name="Straight Connector 10">
+            <a:extLst>
+              <a:ext uri="{FF2B5EF4-FFF2-40B4-BE49-F238E27FC236}">
+                <a16:creationId xmlns:a16="http://schemas.microsoft.com/office/drawing/2014/main" id="{B755E3F5-39D9-4ABF-BFA5-232E87111779}"/>
+              </a:ext>
+              <a:ext uri="{C183D7F6-B498-43B3-948B-1728B52AA6E4}">
+                <adec:decorative xmlns:adec="http://schemas.microsoft.com/office/drawing/2017/decorative" val="1"/>
+              </a:ext>
+            </a:extLst>
+          </p:cNvPr>
+          <p:cNvCxnSpPr>
+            <a:cxnSpLocks noGrp="1" noRot="1" noChangeAspect="1" noMove="1" noResize="1" noEditPoints="1" noAdjustHandles="1" noChangeArrowheads="1" noChangeShapeType="1"/>
+          </p:cNvCxnSpPr>
+          <p:nvPr>
+            <p:extLst>
+              <p:ext uri="{386F3935-93C4-4BCD-93E2-E3B085C9AB24}">
+                <p16:designElem xmlns:p16="http://schemas.microsoft.com/office/powerpoint/2015/main" val="1"/>
+              </p:ext>
+            </p:extLst>
+          </p:nvPr>
+        </p:nvCxnSpPr>
+        <p:spPr>
+          <a:xfrm>
+            <a:off x="1130874" y="1996645"/>
+            <a:ext cx="9603274" cy="0"/>
+          </a:xfrm>
+          <a:prstGeom prst="line">
+            <a:avLst/>
+          </a:prstGeom>
+          <a:ln w="31750"/>
+        </p:spPr>
+        <p:style>
+          <a:lnRef idx="3">
+            <a:schemeClr val="accent1"/>
+          </a:lnRef>
+          <a:fillRef idx="0">
+            <a:schemeClr val="accent1"/>
+          </a:fillRef>
+          <a:effectRef idx="2">
+            <a:schemeClr val="accent1"/>
+          </a:effectRef>
+          <a:fontRef idx="minor">
+            <a:schemeClr val="tx1"/>
+          </a:fontRef>
+        </p:style>
+      </p:cxnSp>
+      <p:sp>
+        <p:nvSpPr>
+          <p:cNvPr id="13" name="Rectangle 12">
+            <a:extLst>
+              <a:ext uri="{FF2B5EF4-FFF2-40B4-BE49-F238E27FC236}">
+                <a16:creationId xmlns:a16="http://schemas.microsoft.com/office/drawing/2014/main" id="{EB09849A-7D0C-4F36-A0D6-6BD64C50EBB6}"/>
+              </a:ext>
+              <a:ext uri="{C183D7F6-B498-43B3-948B-1728B52AA6E4}">
+                <adec:decorative xmlns:adec="http://schemas.microsoft.com/office/drawing/2017/decorative" val="1"/>
+              </a:ext>
+            </a:extLst>
+          </p:cNvPr>
+          <p:cNvSpPr>
+            <a:spLocks noGrp="1" noRot="1" noChangeAspect="1" noMove="1" noResize="1" noEditPoints="1" noAdjustHandles="1" noChangeArrowheads="1" noChangeShapeType="1" noTextEdit="1"/>
+          </p:cNvSpPr>
+          <p:nvPr>
+            <p:extLst>
+              <p:ext uri="{386F3935-93C4-4BCD-93E2-E3B085C9AB24}">
+                <p16:designElem xmlns:p16="http://schemas.microsoft.com/office/powerpoint/2015/main" val="1"/>
+              </p:ext>
+            </p:extLst>
+          </p:nvPr>
+        </p:nvSpPr>
+        <p:spPr>
+          <a:xfrm>
+            <a:off x="0" y="2019476"/>
+            <a:ext cx="12192000" cy="4838524"/>
+          </a:xfrm>
+          <a:prstGeom prst="rect">
+            <a:avLst/>
+          </a:prstGeom>
+          <a:gradFill flip="none" rotWithShape="1">
+            <a:gsLst>
+              <a:gs pos="0">
+                <a:schemeClr val="bg2">
+                  <a:alpha val="0"/>
+                </a:schemeClr>
+              </a:gs>
+              <a:gs pos="100000">
+                <a:schemeClr val="bg2"/>
+              </a:gs>
+            </a:gsLst>
+            <a:lin ang="5400000" scaled="0"/>
+            <a:tileRect/>
+          </a:gradFill>
+          <a:ln>
+            <a:noFill/>
+          </a:ln>
+        </p:spPr>
+        <p:style>
+          <a:lnRef idx="2">
+            <a:schemeClr val="accent1">
+              <a:shade val="50000"/>
+            </a:schemeClr>
+          </a:lnRef>
+          <a:fillRef idx="1">
+            <a:schemeClr val="accent1"/>
+          </a:fillRef>
+          <a:effectRef idx="0">
+            <a:schemeClr val="accent1"/>
+          </a:effectRef>
+          <a:fontRef idx="minor">
+            <a:schemeClr val="lt1"/>
+          </a:fontRef>
+        </p:style>
+        <p:txBody>
+          <a:bodyPr rtlCol="0" anchor="ctr"/>
+          <a:lstStyle/>
+          <a:p>
+            <a:pPr lvl="0" algn="ctr"/>
+            <a:endParaRPr lang="en-US"/>
+          </a:p>
+        </p:txBody>
+      </p:sp>
+      <p:graphicFrame>
+        <p:nvGraphicFramePr>
+          <p:cNvPr id="4" name="Tijdelijke aanduiding voor inhoud 3">
+            <a:extLst>
+              <a:ext uri="{FF2B5EF4-FFF2-40B4-BE49-F238E27FC236}">
+                <a16:creationId xmlns:a16="http://schemas.microsoft.com/office/drawing/2014/main" id="{0C3A4AD9-57A3-486B-847F-86EDA3FA9DB9}"/>
+              </a:ext>
+            </a:extLst>
+          </p:cNvPr>
+          <p:cNvGraphicFramePr>
+            <a:graphicFrameLocks noGrp="1"/>
+          </p:cNvGraphicFramePr>
+          <p:nvPr>
+            <p:ph idx="1"/>
+            <p:extLst>
+              <p:ext uri="{D42A27DB-BD31-4B8C-83A1-F6EECF244321}">
+                <p14:modId xmlns:p14="http://schemas.microsoft.com/office/powerpoint/2010/main" val="135276312"/>
+              </p:ext>
+            </p:extLst>
+          </p:nvPr>
+        </p:nvGraphicFramePr>
+        <p:xfrm>
+          <a:off x="1130270" y="2488492"/>
+          <a:ext cx="9604378" cy="4223576"/>
+        </p:xfrm>
+        <a:graphic>
+          <a:graphicData uri="http://schemas.openxmlformats.org/drawingml/2006/table">
+            <a:tbl>
+              <a:tblPr firstRow="1" firstCol="1" bandRow="1">
+                <a:tableStyleId>{5C22544A-7EE6-4342-B048-85BDC9FD1C3A}</a:tableStyleId>
+              </a:tblPr>
+              <a:tblGrid>
+                <a:gridCol w="1161003">
+                  <a:extLst>
+                    <a:ext uri="{9D8B030D-6E8A-4147-A177-3AD203B41FA5}">
+                      <a16:colId xmlns:a16="http://schemas.microsoft.com/office/drawing/2014/main" val="3695333742"/>
+                    </a:ext>
+                  </a:extLst>
+                </a:gridCol>
+                <a:gridCol w="1318019">
+                  <a:extLst>
+                    <a:ext uri="{9D8B030D-6E8A-4147-A177-3AD203B41FA5}">
+                      <a16:colId xmlns:a16="http://schemas.microsoft.com/office/drawing/2014/main" val="433349196"/>
+                    </a:ext>
+                  </a:extLst>
+                </a:gridCol>
+                <a:gridCol w="901662">
+                  <a:extLst>
+                    <a:ext uri="{9D8B030D-6E8A-4147-A177-3AD203B41FA5}">
+                      <a16:colId xmlns:a16="http://schemas.microsoft.com/office/drawing/2014/main" val="3399323105"/>
+                    </a:ext>
+                  </a:extLst>
+                </a:gridCol>
+                <a:gridCol w="1222858">
+                  <a:extLst>
+                    <a:ext uri="{9D8B030D-6E8A-4147-A177-3AD203B41FA5}">
+                      <a16:colId xmlns:a16="http://schemas.microsoft.com/office/drawing/2014/main" val="1035506802"/>
+                    </a:ext>
+                  </a:extLst>
+                </a:gridCol>
+                <a:gridCol w="1615400">
+                  <a:extLst>
+                    <a:ext uri="{9D8B030D-6E8A-4147-A177-3AD203B41FA5}">
+                      <a16:colId xmlns:a16="http://schemas.microsoft.com/office/drawing/2014/main" val="2905838166"/>
+                    </a:ext>
+                  </a:extLst>
+                </a:gridCol>
+                <a:gridCol w="1679633">
+                  <a:extLst>
+                    <a:ext uri="{9D8B030D-6E8A-4147-A177-3AD203B41FA5}">
+                      <a16:colId xmlns:a16="http://schemas.microsoft.com/office/drawing/2014/main" val="2341858710"/>
+                    </a:ext>
+                  </a:extLst>
+                </a:gridCol>
+                <a:gridCol w="1705803">
+                  <a:extLst>
+                    <a:ext uri="{9D8B030D-6E8A-4147-A177-3AD203B41FA5}">
+                      <a16:colId xmlns:a16="http://schemas.microsoft.com/office/drawing/2014/main" val="3651359598"/>
+                    </a:ext>
+                  </a:extLst>
+                </a:gridCol>
+              </a:tblGrid>
+              <a:tr h="511588">
+                <a:tc>
+                  <a:txBody>
+                    <a:bodyPr/>
+                    <a:lstStyle/>
+                    <a:p>
+                      <a:r>
+                        <a:rPr lang="nl-NL" sz="1500">
+                          <a:effectLst/>
+                        </a:rPr>
+                        <a:t>Features</a:t>
+                      </a:r>
+                      <a:endParaRPr lang="nl-NL" sz="1500">
+                        <a:effectLst/>
+                        <a:latin typeface="Calibri" panose="020F0502020204030204" pitchFamily="34" charset="0"/>
+                        <a:ea typeface="Calibri" panose="020F0502020204030204" pitchFamily="34" charset="0"/>
+                        <a:cs typeface="Arial" panose="020B0604020202020204" pitchFamily="34" charset="0"/>
+                      </a:endParaRPr>
+                    </a:p>
+                  </a:txBody>
+                  <a:tcPr marL="96130" marR="96130" marT="0" marB="0"/>
+                </a:tc>
+                <a:tc>
+                  <a:txBody>
+                    <a:bodyPr/>
+                    <a:lstStyle/>
+                    <a:p>
+                      <a:r>
+                        <a:rPr lang="nl-NL" sz="1500">
+                          <a:effectLst/>
+                        </a:rPr>
+                        <a:t>Wat</a:t>
+                      </a:r>
+                      <a:endParaRPr lang="nl-NL" sz="1500">
+                        <a:effectLst/>
+                        <a:latin typeface="Calibri" panose="020F0502020204030204" pitchFamily="34" charset="0"/>
+                        <a:ea typeface="Calibri" panose="020F0502020204030204" pitchFamily="34" charset="0"/>
+                        <a:cs typeface="Arial" panose="020B0604020202020204" pitchFamily="34" charset="0"/>
+                      </a:endParaRPr>
+                    </a:p>
+                  </a:txBody>
+                  <a:tcPr marL="96130" marR="96130" marT="0" marB="0"/>
+                </a:tc>
+                <a:tc>
+                  <a:txBody>
+                    <a:bodyPr/>
+                    <a:lstStyle/>
+                    <a:p>
+                      <a:r>
+                        <a:rPr lang="nl-NL" sz="1500">
+                          <a:effectLst/>
+                        </a:rPr>
+                        <a:t>Wie</a:t>
+                      </a:r>
+                      <a:endParaRPr lang="nl-NL" sz="1500">
+                        <a:effectLst/>
+                        <a:latin typeface="Calibri" panose="020F0502020204030204" pitchFamily="34" charset="0"/>
+                        <a:ea typeface="Calibri" panose="020F0502020204030204" pitchFamily="34" charset="0"/>
+                        <a:cs typeface="Arial" panose="020B0604020202020204" pitchFamily="34" charset="0"/>
+                      </a:endParaRPr>
+                    </a:p>
+                  </a:txBody>
+                  <a:tcPr marL="96130" marR="96130" marT="0" marB="0"/>
+                </a:tc>
+                <a:tc>
+                  <a:txBody>
+                    <a:bodyPr/>
+                    <a:lstStyle/>
+                    <a:p>
+                      <a:r>
+                        <a:rPr lang="nl-NL" sz="1500">
+                          <a:effectLst/>
+                        </a:rPr>
+                        <a:t>Waarom</a:t>
+                      </a:r>
+                      <a:endParaRPr lang="nl-NL" sz="1500">
+                        <a:effectLst/>
+                        <a:latin typeface="Calibri" panose="020F0502020204030204" pitchFamily="34" charset="0"/>
+                        <a:ea typeface="Calibri" panose="020F0502020204030204" pitchFamily="34" charset="0"/>
+                        <a:cs typeface="Arial" panose="020B0604020202020204" pitchFamily="34" charset="0"/>
+                      </a:endParaRPr>
+                    </a:p>
+                  </a:txBody>
+                  <a:tcPr marL="96130" marR="96130" marT="0" marB="0"/>
+                </a:tc>
+                <a:tc>
+                  <a:txBody>
+                    <a:bodyPr/>
+                    <a:lstStyle/>
+                    <a:p>
+                      <a:r>
+                        <a:rPr lang="nl-NL" sz="1500">
+                          <a:effectLst/>
+                        </a:rPr>
+                        <a:t>Taken</a:t>
+                      </a:r>
+                      <a:endParaRPr lang="nl-NL" sz="1500">
+                        <a:effectLst/>
+                        <a:latin typeface="Calibri" panose="020F0502020204030204" pitchFamily="34" charset="0"/>
+                        <a:ea typeface="Calibri" panose="020F0502020204030204" pitchFamily="34" charset="0"/>
+                        <a:cs typeface="Arial" panose="020B0604020202020204" pitchFamily="34" charset="0"/>
+                      </a:endParaRPr>
+                    </a:p>
+                  </a:txBody>
+                  <a:tcPr marL="96130" marR="96130" marT="0" marB="0"/>
+                </a:tc>
+                <a:tc>
+                  <a:txBody>
+                    <a:bodyPr/>
+                    <a:lstStyle/>
+                    <a:p>
+                      <a:r>
+                        <a:rPr lang="nl-NL" sz="1500">
+                          <a:effectLst/>
+                        </a:rPr>
+                        <a:t>Moeilijkheids-graad</a:t>
+                      </a:r>
+                      <a:endParaRPr lang="nl-NL" sz="1500">
+                        <a:effectLst/>
+                        <a:latin typeface="Calibri" panose="020F0502020204030204" pitchFamily="34" charset="0"/>
+                        <a:ea typeface="Calibri" panose="020F0502020204030204" pitchFamily="34" charset="0"/>
+                        <a:cs typeface="Arial" panose="020B0604020202020204" pitchFamily="34" charset="0"/>
+                      </a:endParaRPr>
+                    </a:p>
+                  </a:txBody>
+                  <a:tcPr marL="96130" marR="96130" marT="0" marB="0"/>
+                </a:tc>
+                <a:tc>
+                  <a:txBody>
+                    <a:bodyPr/>
+                    <a:lstStyle/>
+                    <a:p>
+                      <a:r>
+                        <a:rPr lang="nl-NL" sz="1500">
+                          <a:effectLst/>
+                        </a:rPr>
+                        <a:t>Acceptance criteria</a:t>
+                      </a:r>
+                      <a:endParaRPr lang="nl-NL" sz="1500">
+                        <a:effectLst/>
+                        <a:latin typeface="Calibri" panose="020F0502020204030204" pitchFamily="34" charset="0"/>
+                        <a:ea typeface="Calibri" panose="020F0502020204030204" pitchFamily="34" charset="0"/>
+                        <a:cs typeface="Arial" panose="020B0604020202020204" pitchFamily="34" charset="0"/>
+                      </a:endParaRPr>
+                    </a:p>
+                  </a:txBody>
+                  <a:tcPr marL="96130" marR="96130" marT="0" marB="0"/>
+                </a:tc>
+                <a:extLst>
+                  <a:ext uri="{0D108BD9-81ED-4DB2-BD59-A6C34878D82A}">
+                    <a16:rowId xmlns:a16="http://schemas.microsoft.com/office/drawing/2014/main" val="3608186984"/>
+                  </a:ext>
+                </a:extLst>
+              </a:tr>
+              <a:tr h="968363">
+                <a:tc>
+                  <a:txBody>
+                    <a:bodyPr/>
+                    <a:lstStyle/>
+                    <a:p>
+                      <a:r>
+                        <a:rPr lang="nl-NL" sz="1500">
+                          <a:effectLst/>
+                        </a:rPr>
+                        <a:t>6</a:t>
+                      </a:r>
+                      <a:endParaRPr lang="nl-NL" sz="1500">
+                        <a:effectLst/>
+                        <a:latin typeface="Calibri" panose="020F0502020204030204" pitchFamily="34" charset="0"/>
+                        <a:ea typeface="Calibri" panose="020F0502020204030204" pitchFamily="34" charset="0"/>
+                        <a:cs typeface="Arial" panose="020B0604020202020204" pitchFamily="34" charset="0"/>
+                      </a:endParaRPr>
+                    </a:p>
+                  </a:txBody>
+                  <a:tcPr marL="96130" marR="96130" marT="0" marB="0"/>
+                </a:tc>
+                <a:tc>
+                  <a:txBody>
+                    <a:bodyPr/>
+                    <a:lstStyle/>
+                    <a:p>
+                      <a:r>
+                        <a:rPr lang="nl-NL" sz="1500">
+                          <a:effectLst/>
+                        </a:rPr>
+                        <a:t>Ontwerp om biljetten te behouden en weggeven.</a:t>
+                      </a:r>
+                      <a:endParaRPr lang="nl-NL" sz="1500">
+                        <a:effectLst/>
+                        <a:latin typeface="Calibri" panose="020F0502020204030204" pitchFamily="34" charset="0"/>
+                        <a:ea typeface="Calibri" panose="020F0502020204030204" pitchFamily="34" charset="0"/>
+                        <a:cs typeface="Arial" panose="020B0604020202020204" pitchFamily="34" charset="0"/>
+                      </a:endParaRPr>
+                    </a:p>
+                  </a:txBody>
+                  <a:tcPr marL="96130" marR="96130" marT="0" marB="0"/>
+                </a:tc>
+                <a:tc>
+                  <a:txBody>
+                    <a:bodyPr/>
+                    <a:lstStyle/>
+                    <a:p>
+                      <a:r>
+                        <a:rPr lang="nl-NL" sz="1500">
+                          <a:effectLst/>
+                        </a:rPr>
+                        <a:t>De klant</a:t>
+                      </a:r>
+                      <a:endParaRPr lang="nl-NL" sz="1500">
+                        <a:effectLst/>
+                        <a:latin typeface="Calibri" panose="020F0502020204030204" pitchFamily="34" charset="0"/>
+                        <a:ea typeface="Calibri" panose="020F0502020204030204" pitchFamily="34" charset="0"/>
+                        <a:cs typeface="Arial" panose="020B0604020202020204" pitchFamily="34" charset="0"/>
+                      </a:endParaRPr>
+                    </a:p>
+                  </a:txBody>
+                  <a:tcPr marL="96130" marR="96130" marT="0" marB="0"/>
+                </a:tc>
+                <a:tc>
+                  <a:txBody>
+                    <a:bodyPr/>
+                    <a:lstStyle/>
+                    <a:p>
+                      <a:r>
+                        <a:rPr lang="nl-NL" sz="1500">
+                          <a:effectLst/>
+                        </a:rPr>
+                        <a:t>Zodat de klant zijn biljetten kan opnemen.</a:t>
+                      </a:r>
+                      <a:endParaRPr lang="nl-NL" sz="1500">
+                        <a:effectLst/>
+                        <a:latin typeface="Calibri" panose="020F0502020204030204" pitchFamily="34" charset="0"/>
+                        <a:ea typeface="Calibri" panose="020F0502020204030204" pitchFamily="34" charset="0"/>
+                        <a:cs typeface="Arial" panose="020B0604020202020204" pitchFamily="34" charset="0"/>
+                      </a:endParaRPr>
+                    </a:p>
+                  </a:txBody>
+                  <a:tcPr marL="96130" marR="96130" marT="0" marB="0"/>
+                </a:tc>
+                <a:tc>
+                  <a:txBody>
+                    <a:bodyPr/>
+                    <a:lstStyle/>
+                    <a:p>
+                      <a:r>
+                        <a:rPr lang="nl-NL" sz="1500">
+                          <a:effectLst/>
+                        </a:rPr>
+                        <a:t>Biljetten ontwerpen</a:t>
+                      </a:r>
+                      <a:endParaRPr lang="nl-NL" sz="1500">
+                        <a:effectLst/>
+                        <a:latin typeface="Calibri" panose="020F0502020204030204" pitchFamily="34" charset="0"/>
+                        <a:ea typeface="Calibri" panose="020F0502020204030204" pitchFamily="34" charset="0"/>
+                        <a:cs typeface="Arial" panose="020B0604020202020204" pitchFamily="34" charset="0"/>
+                      </a:endParaRPr>
+                    </a:p>
+                  </a:txBody>
+                  <a:tcPr marL="96130" marR="96130" marT="0" marB="0"/>
+                </a:tc>
+                <a:tc>
+                  <a:txBody>
+                    <a:bodyPr/>
+                    <a:lstStyle/>
+                    <a:p>
+                      <a:r>
+                        <a:rPr lang="nl-NL" sz="1500">
+                          <a:effectLst/>
+                        </a:rPr>
+                        <a:t>10</a:t>
+                      </a:r>
+                      <a:endParaRPr lang="nl-NL" sz="1500">
+                        <a:effectLst/>
+                        <a:latin typeface="Calibri" panose="020F0502020204030204" pitchFamily="34" charset="0"/>
+                        <a:ea typeface="Calibri" panose="020F0502020204030204" pitchFamily="34" charset="0"/>
+                        <a:cs typeface="Arial" panose="020B0604020202020204" pitchFamily="34" charset="0"/>
+                      </a:endParaRPr>
+                    </a:p>
+                  </a:txBody>
+                  <a:tcPr marL="96130" marR="96130" marT="0" marB="0"/>
+                </a:tc>
+                <a:tc>
+                  <a:txBody>
+                    <a:bodyPr/>
+                    <a:lstStyle/>
+                    <a:p>
+                      <a:r>
+                        <a:rPr lang="nl-NL" sz="1500">
+                          <a:effectLst/>
+                        </a:rPr>
+                        <a:t>Het geld dispenser moet biljetten uitwerpen.</a:t>
+                      </a:r>
+                      <a:endParaRPr lang="nl-NL" sz="1500">
+                        <a:effectLst/>
+                        <a:latin typeface="Calibri" panose="020F0502020204030204" pitchFamily="34" charset="0"/>
+                        <a:ea typeface="Calibri" panose="020F0502020204030204" pitchFamily="34" charset="0"/>
+                        <a:cs typeface="Arial" panose="020B0604020202020204" pitchFamily="34" charset="0"/>
+                      </a:endParaRPr>
+                    </a:p>
+                  </a:txBody>
+                  <a:tcPr marL="96130" marR="96130" marT="0" marB="0"/>
+                </a:tc>
+                <a:extLst>
+                  <a:ext uri="{0D108BD9-81ED-4DB2-BD59-A6C34878D82A}">
+                    <a16:rowId xmlns:a16="http://schemas.microsoft.com/office/drawing/2014/main" val="280335225"/>
+                  </a:ext>
+                </a:extLst>
+              </a:tr>
+              <a:tr h="739976">
+                <a:tc>
+                  <a:txBody>
+                    <a:bodyPr/>
+                    <a:lstStyle/>
+                    <a:p>
+                      <a:r>
+                        <a:rPr lang="nl-NL" sz="1500">
+                          <a:effectLst/>
+                        </a:rPr>
+                        <a:t> </a:t>
+                      </a:r>
+                      <a:endParaRPr lang="nl-NL" sz="1500">
+                        <a:effectLst/>
+                        <a:latin typeface="Calibri" panose="020F0502020204030204" pitchFamily="34" charset="0"/>
+                        <a:ea typeface="Calibri" panose="020F0502020204030204" pitchFamily="34" charset="0"/>
+                        <a:cs typeface="Arial" panose="020B0604020202020204" pitchFamily="34" charset="0"/>
+                      </a:endParaRPr>
+                    </a:p>
+                  </a:txBody>
+                  <a:tcPr marL="96130" marR="96130" marT="0" marB="0"/>
+                </a:tc>
+                <a:tc>
+                  <a:txBody>
+                    <a:bodyPr/>
+                    <a:lstStyle/>
+                    <a:p>
+                      <a:r>
+                        <a:rPr lang="nl-NL" sz="1500">
+                          <a:effectLst/>
+                        </a:rPr>
+                        <a:t> </a:t>
+                      </a:r>
+                      <a:endParaRPr lang="nl-NL" sz="1500">
+                        <a:effectLst/>
+                        <a:latin typeface="Calibri" panose="020F0502020204030204" pitchFamily="34" charset="0"/>
+                        <a:ea typeface="Calibri" panose="020F0502020204030204" pitchFamily="34" charset="0"/>
+                        <a:cs typeface="Arial" panose="020B0604020202020204" pitchFamily="34" charset="0"/>
+                      </a:endParaRPr>
+                    </a:p>
+                  </a:txBody>
+                  <a:tcPr marL="96130" marR="96130" marT="0" marB="0"/>
+                </a:tc>
+                <a:tc>
+                  <a:txBody>
+                    <a:bodyPr/>
+                    <a:lstStyle/>
+                    <a:p>
+                      <a:r>
+                        <a:rPr lang="nl-NL" sz="1500">
+                          <a:effectLst/>
+                        </a:rPr>
+                        <a:t> </a:t>
+                      </a:r>
+                      <a:endParaRPr lang="nl-NL" sz="1500">
+                        <a:effectLst/>
+                        <a:latin typeface="Calibri" panose="020F0502020204030204" pitchFamily="34" charset="0"/>
+                        <a:ea typeface="Calibri" panose="020F0502020204030204" pitchFamily="34" charset="0"/>
+                        <a:cs typeface="Arial" panose="020B0604020202020204" pitchFamily="34" charset="0"/>
+                      </a:endParaRPr>
+                    </a:p>
+                  </a:txBody>
+                  <a:tcPr marL="96130" marR="96130" marT="0" marB="0"/>
+                </a:tc>
+                <a:tc>
+                  <a:txBody>
+                    <a:bodyPr/>
+                    <a:lstStyle/>
+                    <a:p>
+                      <a:r>
+                        <a:rPr lang="nl-NL" sz="1500">
+                          <a:effectLst/>
+                        </a:rPr>
+                        <a:t> </a:t>
+                      </a:r>
+                      <a:endParaRPr lang="nl-NL" sz="1500">
+                        <a:effectLst/>
+                        <a:latin typeface="Calibri" panose="020F0502020204030204" pitchFamily="34" charset="0"/>
+                        <a:ea typeface="Calibri" panose="020F0502020204030204" pitchFamily="34" charset="0"/>
+                        <a:cs typeface="Arial" panose="020B0604020202020204" pitchFamily="34" charset="0"/>
+                      </a:endParaRPr>
+                    </a:p>
+                  </a:txBody>
+                  <a:tcPr marL="96130" marR="96130" marT="0" marB="0"/>
+                </a:tc>
+                <a:tc>
+                  <a:txBody>
+                    <a:bodyPr/>
+                    <a:lstStyle/>
+                    <a:p>
+                      <a:r>
+                        <a:rPr lang="nl-NL" sz="1500">
+                          <a:effectLst/>
+                        </a:rPr>
+                        <a:t>Afmetingen gelddispenser</a:t>
+                      </a:r>
+                      <a:endParaRPr lang="nl-NL" sz="1500">
+                        <a:effectLst/>
+                        <a:latin typeface="Calibri" panose="020F0502020204030204" pitchFamily="34" charset="0"/>
+                        <a:ea typeface="Calibri" panose="020F0502020204030204" pitchFamily="34" charset="0"/>
+                        <a:cs typeface="Arial" panose="020B0604020202020204" pitchFamily="34" charset="0"/>
+                      </a:endParaRPr>
+                    </a:p>
+                  </a:txBody>
+                  <a:tcPr marL="96130" marR="96130" marT="0" marB="0"/>
+                </a:tc>
+                <a:tc>
+                  <a:txBody>
+                    <a:bodyPr/>
+                    <a:lstStyle/>
+                    <a:p>
+                      <a:r>
+                        <a:rPr lang="nl-NL" sz="1500">
+                          <a:effectLst/>
+                        </a:rPr>
+                        <a:t> </a:t>
+                      </a:r>
+                      <a:endParaRPr lang="nl-NL" sz="1500">
+                        <a:effectLst/>
+                        <a:latin typeface="Calibri" panose="020F0502020204030204" pitchFamily="34" charset="0"/>
+                        <a:ea typeface="Calibri" panose="020F0502020204030204" pitchFamily="34" charset="0"/>
+                        <a:cs typeface="Arial" panose="020B0604020202020204" pitchFamily="34" charset="0"/>
+                      </a:endParaRPr>
+                    </a:p>
+                  </a:txBody>
+                  <a:tcPr marL="96130" marR="96130" marT="0" marB="0"/>
+                </a:tc>
+                <a:tc>
+                  <a:txBody>
+                    <a:bodyPr/>
+                    <a:lstStyle/>
+                    <a:p>
+                      <a:r>
+                        <a:rPr lang="nl-NL" sz="1500">
+                          <a:effectLst/>
+                        </a:rPr>
+                        <a:t>Het IR sensor moet per biljet het waarde opnemen. </a:t>
+                      </a:r>
+                      <a:endParaRPr lang="nl-NL" sz="1500">
+                        <a:effectLst/>
+                        <a:latin typeface="Calibri" panose="020F0502020204030204" pitchFamily="34" charset="0"/>
+                        <a:ea typeface="Calibri" panose="020F0502020204030204" pitchFamily="34" charset="0"/>
+                        <a:cs typeface="Arial" panose="020B0604020202020204" pitchFamily="34" charset="0"/>
+                      </a:endParaRPr>
+                    </a:p>
+                  </a:txBody>
+                  <a:tcPr marL="96130" marR="96130" marT="0" marB="0"/>
+                </a:tc>
+                <a:extLst>
+                  <a:ext uri="{0D108BD9-81ED-4DB2-BD59-A6C34878D82A}">
+                    <a16:rowId xmlns:a16="http://schemas.microsoft.com/office/drawing/2014/main" val="4117498898"/>
+                  </a:ext>
+                </a:extLst>
+              </a:tr>
+              <a:tr h="968363">
+                <a:tc>
+                  <a:txBody>
+                    <a:bodyPr/>
+                    <a:lstStyle/>
+                    <a:p>
+                      <a:r>
+                        <a:rPr lang="nl-NL" sz="1500">
+                          <a:effectLst/>
+                        </a:rPr>
+                        <a:t> </a:t>
+                      </a:r>
+                      <a:endParaRPr lang="nl-NL" sz="1500">
+                        <a:effectLst/>
+                        <a:latin typeface="Calibri" panose="020F0502020204030204" pitchFamily="34" charset="0"/>
+                        <a:ea typeface="Calibri" panose="020F0502020204030204" pitchFamily="34" charset="0"/>
+                        <a:cs typeface="Arial" panose="020B0604020202020204" pitchFamily="34" charset="0"/>
+                      </a:endParaRPr>
+                    </a:p>
+                  </a:txBody>
+                  <a:tcPr marL="96130" marR="96130" marT="0" marB="0"/>
+                </a:tc>
+                <a:tc>
+                  <a:txBody>
+                    <a:bodyPr/>
+                    <a:lstStyle/>
+                    <a:p>
+                      <a:r>
+                        <a:rPr lang="nl-NL" sz="1500">
+                          <a:effectLst/>
+                        </a:rPr>
+                        <a:t> </a:t>
+                      </a:r>
+                      <a:endParaRPr lang="nl-NL" sz="1500">
+                        <a:effectLst/>
+                        <a:latin typeface="Calibri" panose="020F0502020204030204" pitchFamily="34" charset="0"/>
+                        <a:ea typeface="Calibri" panose="020F0502020204030204" pitchFamily="34" charset="0"/>
+                        <a:cs typeface="Arial" panose="020B0604020202020204" pitchFamily="34" charset="0"/>
+                      </a:endParaRPr>
+                    </a:p>
+                  </a:txBody>
+                  <a:tcPr marL="96130" marR="96130" marT="0" marB="0"/>
+                </a:tc>
+                <a:tc>
+                  <a:txBody>
+                    <a:bodyPr/>
+                    <a:lstStyle/>
+                    <a:p>
+                      <a:r>
+                        <a:rPr lang="nl-NL" sz="1500">
+                          <a:effectLst/>
+                        </a:rPr>
+                        <a:t> </a:t>
+                      </a:r>
+                      <a:endParaRPr lang="nl-NL" sz="1500">
+                        <a:effectLst/>
+                        <a:latin typeface="Calibri" panose="020F0502020204030204" pitchFamily="34" charset="0"/>
+                        <a:ea typeface="Calibri" panose="020F0502020204030204" pitchFamily="34" charset="0"/>
+                        <a:cs typeface="Arial" panose="020B0604020202020204" pitchFamily="34" charset="0"/>
+                      </a:endParaRPr>
+                    </a:p>
+                  </a:txBody>
+                  <a:tcPr marL="96130" marR="96130" marT="0" marB="0"/>
+                </a:tc>
+                <a:tc>
+                  <a:txBody>
+                    <a:bodyPr/>
+                    <a:lstStyle/>
+                    <a:p>
+                      <a:r>
+                        <a:rPr lang="nl-NL" sz="1500">
+                          <a:effectLst/>
+                        </a:rPr>
+                        <a:t> </a:t>
+                      </a:r>
+                      <a:endParaRPr lang="nl-NL" sz="1500">
+                        <a:effectLst/>
+                        <a:latin typeface="Calibri" panose="020F0502020204030204" pitchFamily="34" charset="0"/>
+                        <a:ea typeface="Calibri" panose="020F0502020204030204" pitchFamily="34" charset="0"/>
+                        <a:cs typeface="Arial" panose="020B0604020202020204" pitchFamily="34" charset="0"/>
+                      </a:endParaRPr>
+                    </a:p>
+                  </a:txBody>
+                  <a:tcPr marL="96130" marR="96130" marT="0" marB="0"/>
+                </a:tc>
+                <a:tc>
+                  <a:txBody>
+                    <a:bodyPr/>
+                    <a:lstStyle/>
+                    <a:p>
+                      <a:r>
+                        <a:rPr lang="nl-NL" sz="1500">
+                          <a:effectLst/>
+                        </a:rPr>
+                        <a:t>Ontwerpen gelddispenser</a:t>
+                      </a:r>
+                      <a:endParaRPr lang="nl-NL" sz="1500">
+                        <a:effectLst/>
+                        <a:latin typeface="Calibri" panose="020F0502020204030204" pitchFamily="34" charset="0"/>
+                        <a:ea typeface="Calibri" panose="020F0502020204030204" pitchFamily="34" charset="0"/>
+                        <a:cs typeface="Arial" panose="020B0604020202020204" pitchFamily="34" charset="0"/>
+                      </a:endParaRPr>
+                    </a:p>
+                  </a:txBody>
+                  <a:tcPr marL="96130" marR="96130" marT="0" marB="0"/>
+                </a:tc>
+                <a:tc>
+                  <a:txBody>
+                    <a:bodyPr/>
+                    <a:lstStyle/>
+                    <a:p>
+                      <a:r>
+                        <a:rPr lang="nl-NL" sz="1500">
+                          <a:effectLst/>
+                        </a:rPr>
+                        <a:t> </a:t>
+                      </a:r>
+                      <a:endParaRPr lang="nl-NL" sz="1500">
+                        <a:effectLst/>
+                        <a:latin typeface="Calibri" panose="020F0502020204030204" pitchFamily="34" charset="0"/>
+                        <a:ea typeface="Calibri" panose="020F0502020204030204" pitchFamily="34" charset="0"/>
+                        <a:cs typeface="Arial" panose="020B0604020202020204" pitchFamily="34" charset="0"/>
+                      </a:endParaRPr>
+                    </a:p>
+                  </a:txBody>
+                  <a:tcPr marL="96130" marR="96130" marT="0" marB="0"/>
+                </a:tc>
+                <a:tc>
+                  <a:txBody>
+                    <a:bodyPr/>
+                    <a:lstStyle/>
+                    <a:p>
+                      <a:r>
+                        <a:rPr lang="nl-NL" sz="1500">
+                          <a:effectLst/>
+                        </a:rPr>
+                        <a:t>Ontwerp van de gelddispenser moet 3 biljet soorten bewaren.</a:t>
+                      </a:r>
+                      <a:endParaRPr lang="nl-NL" sz="1500">
+                        <a:effectLst/>
+                        <a:latin typeface="Calibri" panose="020F0502020204030204" pitchFamily="34" charset="0"/>
+                        <a:ea typeface="Calibri" panose="020F0502020204030204" pitchFamily="34" charset="0"/>
+                        <a:cs typeface="Arial" panose="020B0604020202020204" pitchFamily="34" charset="0"/>
+                      </a:endParaRPr>
+                    </a:p>
+                  </a:txBody>
+                  <a:tcPr marL="96130" marR="96130" marT="0" marB="0"/>
+                </a:tc>
+                <a:extLst>
+                  <a:ext uri="{0D108BD9-81ED-4DB2-BD59-A6C34878D82A}">
+                    <a16:rowId xmlns:a16="http://schemas.microsoft.com/office/drawing/2014/main" val="339744770"/>
+                  </a:ext>
+                </a:extLst>
+              </a:tr>
+              <a:tr h="511588">
+                <a:tc>
+                  <a:txBody>
+                    <a:bodyPr/>
+                    <a:lstStyle/>
+                    <a:p>
+                      <a:r>
+                        <a:rPr lang="nl-NL" sz="1500">
+                          <a:effectLst/>
+                        </a:rPr>
+                        <a:t> </a:t>
+                      </a:r>
+                      <a:endParaRPr lang="nl-NL" sz="1500">
+                        <a:effectLst/>
+                        <a:latin typeface="Calibri" panose="020F0502020204030204" pitchFamily="34" charset="0"/>
+                        <a:ea typeface="Calibri" panose="020F0502020204030204" pitchFamily="34" charset="0"/>
+                        <a:cs typeface="Arial" panose="020B0604020202020204" pitchFamily="34" charset="0"/>
+                      </a:endParaRPr>
+                    </a:p>
+                  </a:txBody>
+                  <a:tcPr marL="96130" marR="96130" marT="0" marB="0"/>
+                </a:tc>
+                <a:tc>
+                  <a:txBody>
+                    <a:bodyPr/>
+                    <a:lstStyle/>
+                    <a:p>
+                      <a:r>
+                        <a:rPr lang="nl-NL" sz="1500">
+                          <a:effectLst/>
+                        </a:rPr>
+                        <a:t> </a:t>
+                      </a:r>
+                      <a:endParaRPr lang="nl-NL" sz="1500">
+                        <a:effectLst/>
+                        <a:latin typeface="Calibri" panose="020F0502020204030204" pitchFamily="34" charset="0"/>
+                        <a:ea typeface="Calibri" panose="020F0502020204030204" pitchFamily="34" charset="0"/>
+                        <a:cs typeface="Arial" panose="020B0604020202020204" pitchFamily="34" charset="0"/>
+                      </a:endParaRPr>
+                    </a:p>
+                  </a:txBody>
+                  <a:tcPr marL="96130" marR="96130" marT="0" marB="0"/>
+                </a:tc>
+                <a:tc>
+                  <a:txBody>
+                    <a:bodyPr/>
+                    <a:lstStyle/>
+                    <a:p>
+                      <a:r>
+                        <a:rPr lang="nl-NL" sz="1500">
+                          <a:effectLst/>
+                        </a:rPr>
+                        <a:t> </a:t>
+                      </a:r>
+                      <a:endParaRPr lang="nl-NL" sz="1500">
+                        <a:effectLst/>
+                        <a:latin typeface="Calibri" panose="020F0502020204030204" pitchFamily="34" charset="0"/>
+                        <a:ea typeface="Calibri" panose="020F0502020204030204" pitchFamily="34" charset="0"/>
+                        <a:cs typeface="Arial" panose="020B0604020202020204" pitchFamily="34" charset="0"/>
+                      </a:endParaRPr>
+                    </a:p>
+                  </a:txBody>
+                  <a:tcPr marL="96130" marR="96130" marT="0" marB="0"/>
+                </a:tc>
+                <a:tc>
+                  <a:txBody>
+                    <a:bodyPr/>
+                    <a:lstStyle/>
+                    <a:p>
+                      <a:r>
+                        <a:rPr lang="nl-NL" sz="1500">
+                          <a:effectLst/>
+                        </a:rPr>
+                        <a:t> </a:t>
+                      </a:r>
+                      <a:endParaRPr lang="nl-NL" sz="1500">
+                        <a:effectLst/>
+                        <a:latin typeface="Calibri" panose="020F0502020204030204" pitchFamily="34" charset="0"/>
+                        <a:ea typeface="Calibri" panose="020F0502020204030204" pitchFamily="34" charset="0"/>
+                        <a:cs typeface="Arial" panose="020B0604020202020204" pitchFamily="34" charset="0"/>
+                      </a:endParaRPr>
+                    </a:p>
+                  </a:txBody>
+                  <a:tcPr marL="96130" marR="96130" marT="0" marB="0"/>
+                </a:tc>
+                <a:tc>
+                  <a:txBody>
+                    <a:bodyPr/>
+                    <a:lstStyle/>
+                    <a:p>
+                      <a:r>
+                        <a:rPr lang="nl-NL" sz="1500">
+                          <a:effectLst/>
+                        </a:rPr>
+                        <a:t>Afmetingen IR sensoren</a:t>
+                      </a:r>
+                      <a:endParaRPr lang="nl-NL" sz="1500">
+                        <a:effectLst/>
+                        <a:latin typeface="Calibri" panose="020F0502020204030204" pitchFamily="34" charset="0"/>
+                        <a:ea typeface="Calibri" panose="020F0502020204030204" pitchFamily="34" charset="0"/>
+                        <a:cs typeface="Arial" panose="020B0604020202020204" pitchFamily="34" charset="0"/>
+                      </a:endParaRPr>
+                    </a:p>
+                  </a:txBody>
+                  <a:tcPr marL="96130" marR="96130" marT="0" marB="0"/>
+                </a:tc>
+                <a:tc>
+                  <a:txBody>
+                    <a:bodyPr/>
+                    <a:lstStyle/>
+                    <a:p>
+                      <a:r>
+                        <a:rPr lang="nl-NL" sz="1500">
+                          <a:effectLst/>
+                        </a:rPr>
+                        <a:t> </a:t>
+                      </a:r>
+                      <a:endParaRPr lang="nl-NL" sz="1500">
+                        <a:effectLst/>
+                        <a:latin typeface="Calibri" panose="020F0502020204030204" pitchFamily="34" charset="0"/>
+                        <a:ea typeface="Calibri" panose="020F0502020204030204" pitchFamily="34" charset="0"/>
+                        <a:cs typeface="Arial" panose="020B0604020202020204" pitchFamily="34" charset="0"/>
+                      </a:endParaRPr>
+                    </a:p>
+                  </a:txBody>
+                  <a:tcPr marL="96130" marR="96130" marT="0" marB="0"/>
+                </a:tc>
+                <a:tc>
+                  <a:txBody>
+                    <a:bodyPr/>
+                    <a:lstStyle/>
+                    <a:p>
+                      <a:r>
+                        <a:rPr lang="nl-NL" sz="1500" dirty="0">
+                          <a:effectLst/>
+                        </a:rPr>
+                        <a:t> </a:t>
+                      </a:r>
+                      <a:endParaRPr lang="nl-NL" sz="1500" dirty="0">
+                        <a:effectLst/>
+                        <a:latin typeface="Calibri" panose="020F0502020204030204" pitchFamily="34" charset="0"/>
+                        <a:ea typeface="Calibri" panose="020F0502020204030204" pitchFamily="34" charset="0"/>
+                        <a:cs typeface="Arial" panose="020B0604020202020204" pitchFamily="34" charset="0"/>
+                      </a:endParaRPr>
+                    </a:p>
+                  </a:txBody>
+                  <a:tcPr marL="96130" marR="96130" marT="0" marB="0"/>
+                </a:tc>
+                <a:extLst>
+                  <a:ext uri="{0D108BD9-81ED-4DB2-BD59-A6C34878D82A}">
+                    <a16:rowId xmlns:a16="http://schemas.microsoft.com/office/drawing/2014/main" val="877981588"/>
+                  </a:ext>
+                </a:extLst>
+              </a:tr>
+            </a:tbl>
+          </a:graphicData>
+        </a:graphic>
+      </p:graphicFrame>
+    </p:spTree>
+    <p:extLst>
+      <p:ext uri="{BB962C8B-B14F-4D97-AF65-F5344CB8AC3E}">
+        <p14:creationId xmlns:p14="http://schemas.microsoft.com/office/powerpoint/2010/main" val="3607021930"/>
       </p:ext>
     </p:extLst>
   </p:cSld>

--- a/Sprint Planning/Scrum meeting 3.pptx
+++ b/Sprint Planning/Scrum meeting 3.pptx
@@ -7,9 +7,9 @@
   <p:sldIdLst>
     <p:sldId id="257" r:id="rId2"/>
     <p:sldId id="258" r:id="rId3"/>
-    <p:sldId id="261" r:id="rId4"/>
-    <p:sldId id="263" r:id="rId5"/>
-    <p:sldId id="262" r:id="rId6"/>
+    <p:sldId id="262" r:id="rId4"/>
+    <p:sldId id="261" r:id="rId5"/>
+    <p:sldId id="263" r:id="rId6"/>
     <p:sldId id="264" r:id="rId7"/>
     <p:sldId id="260" r:id="rId8"/>
   </p:sldIdLst>
@@ -3663,519 +3663,6 @@
 <file path=ppt/slides/slide3.xml><?xml version="1.0" encoding="utf-8"?>
 <p:sld xmlns:a="http://schemas.openxmlformats.org/drawingml/2006/main" xmlns:r="http://schemas.openxmlformats.org/officeDocument/2006/relationships" xmlns:p="http://schemas.openxmlformats.org/presentationml/2006/main">
   <p:cSld>
-    <p:bg>
-      <p:bgPr>
-        <a:gradFill rotWithShape="1">
-          <a:gsLst>
-            <a:gs pos="0">
-              <a:schemeClr val="bg2">
-                <a:tint val="94000"/>
-                <a:satMod val="80000"/>
-                <a:lumMod val="106000"/>
-              </a:schemeClr>
-            </a:gs>
-            <a:gs pos="100000">
-              <a:schemeClr val="bg2">
-                <a:shade val="80000"/>
-              </a:schemeClr>
-            </a:gs>
-          </a:gsLst>
-          <a:path path="circle">
-            <a:fillToRect l="43000" r="43000" b="100000"/>
-          </a:path>
-        </a:gradFill>
-        <a:effectLst/>
-      </p:bgPr>
-    </p:bg>
-    <p:spTree>
-      <p:nvGrpSpPr>
-        <p:cNvPr id="1" name=""/>
-        <p:cNvGrpSpPr/>
-        <p:nvPr/>
-      </p:nvGrpSpPr>
-      <p:grpSpPr>
-        <a:xfrm>
-          <a:off x="0" y="0"/>
-          <a:ext cx="0" cy="0"/>
-          <a:chOff x="0" y="0"/>
-          <a:chExt cx="0" cy="0"/>
-        </a:xfrm>
-      </p:grpSpPr>
-      <p:sp>
-        <p:nvSpPr>
-          <p:cNvPr id="8" name="Rectangle 7">
-            <a:extLst>
-              <a:ext uri="{FF2B5EF4-FFF2-40B4-BE49-F238E27FC236}">
-                <a16:creationId xmlns:a16="http://schemas.microsoft.com/office/drawing/2014/main" id="{CDDE5CDF-1512-4CDA-B956-23D223F8DE44}"/>
-              </a:ext>
-              <a:ext uri="{C183D7F6-B498-43B3-948B-1728B52AA6E4}">
-                <adec:decorative xmlns:adec="http://schemas.microsoft.com/office/drawing/2017/decorative" val="1"/>
-              </a:ext>
-            </a:extLst>
-          </p:cNvPr>
-          <p:cNvSpPr>
-            <a:spLocks noGrp="1" noRot="1" noChangeAspect="1" noMove="1" noResize="1" noEditPoints="1" noAdjustHandles="1" noChangeArrowheads="1" noChangeShapeType="1" noTextEdit="1"/>
-          </p:cNvSpPr>
-          <p:nvPr>
-            <p:extLst>
-              <p:ext uri="{386F3935-93C4-4BCD-93E2-E3B085C9AB24}">
-                <p16:designElem xmlns:p16="http://schemas.microsoft.com/office/powerpoint/2015/main" val="1"/>
-              </p:ext>
-            </p:extLst>
-          </p:nvPr>
-        </p:nvSpPr>
-        <p:spPr>
-          <a:xfrm>
-            <a:off x="0" y="2019476"/>
-            <a:ext cx="12192000" cy="4105941"/>
-          </a:xfrm>
-          <a:prstGeom prst="rect">
-            <a:avLst/>
-          </a:prstGeom>
-          <a:gradFill flip="none" rotWithShape="1">
-            <a:gsLst>
-              <a:gs pos="0">
-                <a:schemeClr val="bg2">
-                  <a:alpha val="0"/>
-                </a:schemeClr>
-              </a:gs>
-              <a:gs pos="100000">
-                <a:schemeClr val="bg2"/>
-              </a:gs>
-            </a:gsLst>
-            <a:lin ang="5400000" scaled="0"/>
-            <a:tileRect/>
-          </a:gradFill>
-          <a:ln>
-            <a:noFill/>
-          </a:ln>
-        </p:spPr>
-        <p:style>
-          <a:lnRef idx="2">
-            <a:schemeClr val="accent1">
-              <a:shade val="50000"/>
-            </a:schemeClr>
-          </a:lnRef>
-          <a:fillRef idx="1">
-            <a:schemeClr val="accent1"/>
-          </a:fillRef>
-          <a:effectRef idx="0">
-            <a:schemeClr val="accent1"/>
-          </a:effectRef>
-          <a:fontRef idx="minor">
-            <a:schemeClr val="lt1"/>
-          </a:fontRef>
-        </p:style>
-      </p:sp>
-      <p:pic>
-        <p:nvPicPr>
-          <p:cNvPr id="10" name="Picture 9">
-            <a:extLst>
-              <a:ext uri="{FF2B5EF4-FFF2-40B4-BE49-F238E27FC236}">
-                <a16:creationId xmlns:a16="http://schemas.microsoft.com/office/drawing/2014/main" id="{B029D7D8-5A6B-4C76-94C8-15798C6C5ADB}"/>
-              </a:ext>
-              <a:ext uri="{C183D7F6-B498-43B3-948B-1728B52AA6E4}">
-                <adec:decorative xmlns:adec="http://schemas.microsoft.com/office/drawing/2017/decorative" val="1"/>
-              </a:ext>
-            </a:extLst>
-          </p:cNvPr>
-          <p:cNvPicPr>
-            <a:picLocks noGrp="1" noRot="1" noChangeAspect="1" noMove="1" noResize="1" noEditPoints="1" noAdjustHandles="1" noChangeArrowheads="1" noChangeShapeType="1" noCrop="1"/>
-          </p:cNvPicPr>
-          <p:nvPr>
-            <p:extLst>
-              <p:ext uri="{386F3935-93C4-4BCD-93E2-E3B085C9AB24}">
-                <p16:designElem xmlns:p16="http://schemas.microsoft.com/office/powerpoint/2015/main" val="1"/>
-              </p:ext>
-            </p:extLst>
-          </p:nvPr>
-        </p:nvPicPr>
-        <p:blipFill rotWithShape="1">
-          <a:blip r:embed="rId2">
-            <a:extLst>
-              <a:ext uri="{28A0092B-C50C-407E-A947-70E740481C1C}">
-                <a14:useLocalDpi xmlns:a14="http://schemas.microsoft.com/office/drawing/2010/main" val="0"/>
-              </a:ext>
-            </a:extLst>
-          </a:blip>
-          <a:srcRect t="1538" b="-1538"/>
-          <a:stretch/>
-        </p:blipFill>
-        <p:spPr bwMode="black">
-          <a:xfrm>
-            <a:off x="0" y="6126480"/>
-            <a:ext cx="12192000" cy="742950"/>
-          </a:xfrm>
-          <a:prstGeom prst="rect">
-            <a:avLst/>
-          </a:prstGeom>
-        </p:spPr>
-      </p:pic>
-      <p:cxnSp>
-        <p:nvCxnSpPr>
-          <p:cNvPr id="12" name="Straight Connector 11">
-            <a:extLst>
-              <a:ext uri="{FF2B5EF4-FFF2-40B4-BE49-F238E27FC236}">
-                <a16:creationId xmlns:a16="http://schemas.microsoft.com/office/drawing/2014/main" id="{A5C9319C-E20D-4884-952F-60B6A58C3E34}"/>
-              </a:ext>
-              <a:ext uri="{C183D7F6-B498-43B3-948B-1728B52AA6E4}">
-                <adec:decorative xmlns:adec="http://schemas.microsoft.com/office/drawing/2017/decorative" val="1"/>
-              </a:ext>
-            </a:extLst>
-          </p:cNvPr>
-          <p:cNvCxnSpPr>
-            <a:cxnSpLocks noGrp="1" noRot="1" noChangeAspect="1" noMove="1" noResize="1" noEditPoints="1" noAdjustHandles="1" noChangeArrowheads="1" noChangeShapeType="1"/>
-          </p:cNvCxnSpPr>
-          <p:nvPr>
-            <p:extLst>
-              <p:ext uri="{386F3935-93C4-4BCD-93E2-E3B085C9AB24}">
-                <p16:designElem xmlns:p16="http://schemas.microsoft.com/office/powerpoint/2015/main" val="1"/>
-              </p:ext>
-            </p:extLst>
-          </p:nvPr>
-        </p:nvCxnSpPr>
-        <p:spPr>
-          <a:xfrm>
-            <a:off x="0" y="6128413"/>
-            <a:ext cx="12192000" cy="0"/>
-          </a:xfrm>
-          <a:prstGeom prst="line">
-            <a:avLst/>
-          </a:prstGeom>
-          <a:ln w="12700">
-            <a:solidFill>
-              <a:srgbClr val="000001">
-                <a:alpha val="20000"/>
-              </a:srgbClr>
-            </a:solidFill>
-          </a:ln>
-        </p:spPr>
-        <p:style>
-          <a:lnRef idx="1">
-            <a:schemeClr val="accent1"/>
-          </a:lnRef>
-          <a:fillRef idx="0">
-            <a:schemeClr val="accent1"/>
-          </a:fillRef>
-          <a:effectRef idx="0">
-            <a:schemeClr val="accent1"/>
-          </a:effectRef>
-          <a:fontRef idx="minor">
-            <a:schemeClr val="tx1"/>
-          </a:fontRef>
-        </p:style>
-      </p:cxnSp>
-      <p:sp>
-        <p:nvSpPr>
-          <p:cNvPr id="14" name="Rectangle 13">
-            <a:extLst>
-              <a:ext uri="{FF2B5EF4-FFF2-40B4-BE49-F238E27FC236}">
-                <a16:creationId xmlns:a16="http://schemas.microsoft.com/office/drawing/2014/main" id="{B6E6531A-0776-43BA-A852-5FB5C77534D5}"/>
-              </a:ext>
-              <a:ext uri="{C183D7F6-B498-43B3-948B-1728B52AA6E4}">
-                <adec:decorative xmlns:adec="http://schemas.microsoft.com/office/drawing/2017/decorative" val="1"/>
-              </a:ext>
-            </a:extLst>
-          </p:cNvPr>
-          <p:cNvSpPr>
-            <a:spLocks noGrp="1" noRot="1" noChangeAspect="1" noMove="1" noResize="1" noEditPoints="1" noAdjustHandles="1" noChangeArrowheads="1" noChangeShapeType="1" noTextEdit="1"/>
-          </p:cNvSpPr>
-          <p:nvPr>
-            <p:extLst>
-              <p:ext uri="{386F3935-93C4-4BCD-93E2-E3B085C9AB24}">
-                <p16:designElem xmlns:p16="http://schemas.microsoft.com/office/powerpoint/2015/main" val="1"/>
-              </p:ext>
-            </p:extLst>
-          </p:nvPr>
-        </p:nvSpPr>
-        <p:spPr>
-          <a:xfrm>
-            <a:off x="1556085" y="533400"/>
-            <a:ext cx="9079832" cy="5077326"/>
-          </a:xfrm>
-          <a:prstGeom prst="rect">
-            <a:avLst/>
-          </a:prstGeom>
-          <a:gradFill>
-            <a:gsLst>
-              <a:gs pos="0">
-                <a:srgbClr val="000001"/>
-              </a:gs>
-              <a:gs pos="100000">
-                <a:srgbClr val="191919"/>
-              </a:gs>
-            </a:gsLst>
-          </a:gradFill>
-          <a:ln w="76200" cmpd="sng">
-            <a:noFill/>
-            <a:miter lim="800000"/>
-          </a:ln>
-          <a:effectLst>
-            <a:outerShdw blurRad="127000" dist="228600" dir="4740000" sx="98000" sy="98000" algn="tl" rotWithShape="0">
-              <a:srgbClr val="000000">
-                <a:alpha val="34000"/>
-              </a:srgbClr>
-            </a:outerShdw>
-          </a:effectLst>
-          <a:scene3d>
-            <a:camera prst="orthographicFront"/>
-            <a:lightRig rig="threePt" dir="t"/>
-          </a:scene3d>
-          <a:sp3d>
-            <a:bevelT w="152400" h="50800" prst="softRound"/>
-          </a:sp3d>
-        </p:spPr>
-        <p:style>
-          <a:lnRef idx="1">
-            <a:schemeClr val="accent1"/>
-          </a:lnRef>
-          <a:fillRef idx="3">
-            <a:schemeClr val="accent1"/>
-          </a:fillRef>
-          <a:effectRef idx="2">
-            <a:schemeClr val="accent1"/>
-          </a:effectRef>
-          <a:fontRef idx="minor">
-            <a:schemeClr val="lt1"/>
-          </a:fontRef>
-        </p:style>
-        <p:txBody>
-          <a:bodyPr rtlCol="0" anchor="ctr"/>
-          <a:lstStyle/>
-          <a:p>
-            <a:pPr algn="ctr"/>
-            <a:endParaRPr lang="en-US"/>
-          </a:p>
-        </p:txBody>
-      </p:sp>
-      <p:sp>
-        <p:nvSpPr>
-          <p:cNvPr id="16" name="Rectangle 15">
-            <a:extLst>
-              <a:ext uri="{FF2B5EF4-FFF2-40B4-BE49-F238E27FC236}">
-                <a16:creationId xmlns:a16="http://schemas.microsoft.com/office/drawing/2014/main" id="{F8C5273F-2B84-46BF-A94F-1A20E13B3AA1}"/>
-              </a:ext>
-              <a:ext uri="{C183D7F6-B498-43B3-948B-1728B52AA6E4}">
-                <adec:decorative xmlns:adec="http://schemas.microsoft.com/office/drawing/2017/decorative" val="1"/>
-              </a:ext>
-            </a:extLst>
-          </p:cNvPr>
-          <p:cNvSpPr>
-            <a:spLocks noGrp="1" noRot="1" noChangeAspect="1" noMove="1" noResize="1" noEditPoints="1" noAdjustHandles="1" noChangeArrowheads="1" noChangeShapeType="1" noTextEdit="1"/>
-          </p:cNvSpPr>
-          <p:nvPr>
-            <p:extLst>
-              <p:ext uri="{386F3935-93C4-4BCD-93E2-E3B085C9AB24}">
-                <p16:designElem xmlns:p16="http://schemas.microsoft.com/office/powerpoint/2015/main" val="1"/>
-              </p:ext>
-            </p:extLst>
-          </p:nvPr>
-        </p:nvSpPr>
-        <p:spPr>
-          <a:xfrm>
-            <a:off x="1784605" y="763203"/>
-            <a:ext cx="8622792" cy="4617720"/>
-          </a:xfrm>
-          <a:prstGeom prst="rect">
-            <a:avLst/>
-          </a:prstGeom>
-          <a:gradFill>
-            <a:gsLst>
-              <a:gs pos="0">
-                <a:srgbClr val="DADADA"/>
-              </a:gs>
-              <a:gs pos="100000">
-                <a:srgbClr val="FFFFFE"/>
-              </a:gs>
-            </a:gsLst>
-            <a:lin ang="16200000" scaled="0"/>
-          </a:gradFill>
-          <a:ln w="50800" cmpd="sng">
-            <a:solidFill>
-              <a:srgbClr val="191919"/>
-            </a:solidFill>
-            <a:miter lim="800000"/>
-          </a:ln>
-          <a:effectLst>
-            <a:innerShdw blurRad="63500" dist="88900" dir="14100000">
-              <a:srgbClr val="000000">
-                <a:alpha val="30000"/>
-              </a:srgbClr>
-            </a:innerShdw>
-          </a:effectLst>
-          <a:scene3d>
-            <a:camera prst="orthographicFront"/>
-            <a:lightRig rig="threePt" dir="t"/>
-          </a:scene3d>
-          <a:sp3d>
-            <a:bevelT prst="relaxedInset"/>
-          </a:sp3d>
-        </p:spPr>
-        <p:style>
-          <a:lnRef idx="1">
-            <a:schemeClr val="accent1"/>
-          </a:lnRef>
-          <a:fillRef idx="3">
-            <a:schemeClr val="accent1"/>
-          </a:fillRef>
-          <a:effectRef idx="2">
-            <a:schemeClr val="accent1"/>
-          </a:effectRef>
-          <a:fontRef idx="minor">
-            <a:schemeClr val="lt1"/>
-          </a:fontRef>
-        </p:style>
-        <p:txBody>
-          <a:bodyPr rtlCol="0" anchor="ctr"/>
-          <a:lstStyle/>
-          <a:p>
-            <a:pPr algn="ctr"/>
-            <a:endParaRPr lang="en-US"/>
-          </a:p>
-        </p:txBody>
-      </p:sp>
-      <p:pic>
-        <p:nvPicPr>
-          <p:cNvPr id="3" name="Afbeelding 2">
-            <a:extLst>
-              <a:ext uri="{FF2B5EF4-FFF2-40B4-BE49-F238E27FC236}">
-                <a16:creationId xmlns:a16="http://schemas.microsoft.com/office/drawing/2014/main" id="{D1C9DAA9-47DE-4D6F-A152-B33990093F76}"/>
-              </a:ext>
-            </a:extLst>
-          </p:cNvPr>
-          <p:cNvPicPr>
-            <a:picLocks noChangeAspect="1"/>
-          </p:cNvPicPr>
-          <p:nvPr/>
-        </p:nvPicPr>
-        <p:blipFill>
-          <a:blip r:embed="rId3">
-            <a:extLst>
-              <a:ext uri="{28A0092B-C50C-407E-A947-70E740481C1C}">
-                <a14:useLocalDpi xmlns:a14="http://schemas.microsoft.com/office/drawing/2010/main" val="0"/>
-              </a:ext>
-            </a:extLst>
-          </a:blip>
-          <a:stretch>
-            <a:fillRect/>
-          </a:stretch>
-        </p:blipFill>
-        <p:spPr>
-          <a:xfrm>
-            <a:off x="2501463" y="1247835"/>
-            <a:ext cx="7189075" cy="3648456"/>
-          </a:xfrm>
-          <a:prstGeom prst="rect">
-            <a:avLst/>
-          </a:prstGeom>
-        </p:spPr>
-      </p:pic>
-    </p:spTree>
-    <p:extLst>
-      <p:ext uri="{BB962C8B-B14F-4D97-AF65-F5344CB8AC3E}">
-        <p14:creationId xmlns:p14="http://schemas.microsoft.com/office/powerpoint/2010/main" val="3397038724"/>
-      </p:ext>
-    </p:extLst>
-  </p:cSld>
-  <p:clrMapOvr>
-    <a:masterClrMapping/>
-  </p:clrMapOvr>
-</p:sld>
-</file>
-
-<file path=ppt/slides/slide4.xml><?xml version="1.0" encoding="utf-8"?>
-<p:sld xmlns:a="http://schemas.openxmlformats.org/drawingml/2006/main" xmlns:r="http://schemas.openxmlformats.org/officeDocument/2006/relationships" xmlns:p="http://schemas.openxmlformats.org/presentationml/2006/main">
-  <p:cSld>
-    <p:spTree>
-      <p:nvGrpSpPr>
-        <p:cNvPr id="1" name=""/>
-        <p:cNvGrpSpPr/>
-        <p:nvPr/>
-      </p:nvGrpSpPr>
-      <p:grpSpPr>
-        <a:xfrm>
-          <a:off x="0" y="0"/>
-          <a:ext cx="0" cy="0"/>
-          <a:chOff x="0" y="0"/>
-          <a:chExt cx="0" cy="0"/>
-        </a:xfrm>
-      </p:grpSpPr>
-      <p:sp>
-        <p:nvSpPr>
-          <p:cNvPr id="2" name="Titel 1">
-            <a:extLst>
-              <a:ext uri="{FF2B5EF4-FFF2-40B4-BE49-F238E27FC236}">
-                <a16:creationId xmlns:a16="http://schemas.microsoft.com/office/drawing/2014/main" id="{12B1229A-5BF3-43A2-8D05-75E00D6A0422}"/>
-              </a:ext>
-            </a:extLst>
-          </p:cNvPr>
-          <p:cNvSpPr>
-            <a:spLocks noGrp="1"/>
-          </p:cNvSpPr>
-          <p:nvPr>
-            <p:ph type="title"/>
-          </p:nvPr>
-        </p:nvSpPr>
-        <p:spPr/>
-        <p:txBody>
-          <a:bodyPr/>
-          <a:lstStyle/>
-          <a:p>
-            <a:r>
-              <a:rPr lang="nl-NL" dirty="0"/>
-              <a:t>kleuren</a:t>
-            </a:r>
-          </a:p>
-        </p:txBody>
-      </p:sp>
-      <p:pic>
-        <p:nvPicPr>
-          <p:cNvPr id="4" name="Tijdelijke aanduiding voor inhoud 3">
-            <a:extLst>
-              <a:ext uri="{FF2B5EF4-FFF2-40B4-BE49-F238E27FC236}">
-                <a16:creationId xmlns:a16="http://schemas.microsoft.com/office/drawing/2014/main" id="{995D75B8-4090-43E8-AD41-C898D4A3447D}"/>
-              </a:ext>
-            </a:extLst>
-          </p:cNvPr>
-          <p:cNvPicPr>
-            <a:picLocks noGrp="1" noChangeAspect="1"/>
-          </p:cNvPicPr>
-          <p:nvPr>
-            <p:ph idx="1"/>
-          </p:nvPr>
-        </p:nvPicPr>
-        <p:blipFill>
-          <a:blip r:embed="rId2"/>
-          <a:stretch>
-            <a:fillRect/>
-          </a:stretch>
-        </p:blipFill>
-        <p:spPr>
-          <a:xfrm>
-            <a:off x="1882591" y="1853754"/>
-            <a:ext cx="8426818" cy="4740086"/>
-          </a:xfrm>
-          <a:prstGeom prst="rect">
-            <a:avLst/>
-          </a:prstGeom>
-        </p:spPr>
-      </p:pic>
-    </p:spTree>
-    <p:extLst>
-      <p:ext uri="{BB962C8B-B14F-4D97-AF65-F5344CB8AC3E}">
-        <p14:creationId xmlns:p14="http://schemas.microsoft.com/office/powerpoint/2010/main" val="4051314381"/>
-      </p:ext>
-    </p:extLst>
-  </p:cSld>
-  <p:clrMapOvr>
-    <a:masterClrMapping/>
-  </p:clrMapOvr>
-</p:sld>
-</file>
-
-<file path=ppt/slides/slide5.xml><?xml version="1.0" encoding="utf-8"?>
-<p:sld xmlns:a="http://schemas.openxmlformats.org/drawingml/2006/main" xmlns:r="http://schemas.openxmlformats.org/officeDocument/2006/relationships" xmlns:p="http://schemas.openxmlformats.org/presentationml/2006/main">
-  <p:cSld>
     <p:spTree>
       <p:nvGrpSpPr>
         <p:cNvPr id="1" name=""/>
@@ -5133,6 +4620,519 @@
     <p:extLst>
       <p:ext uri="{BB962C8B-B14F-4D97-AF65-F5344CB8AC3E}">
         <p14:creationId xmlns:p14="http://schemas.microsoft.com/office/powerpoint/2010/main" val="1900225325"/>
+      </p:ext>
+    </p:extLst>
+  </p:cSld>
+  <p:clrMapOvr>
+    <a:masterClrMapping/>
+  </p:clrMapOvr>
+</p:sld>
+</file>
+
+<file path=ppt/slides/slide4.xml><?xml version="1.0" encoding="utf-8"?>
+<p:sld xmlns:a="http://schemas.openxmlformats.org/drawingml/2006/main" xmlns:r="http://schemas.openxmlformats.org/officeDocument/2006/relationships" xmlns:p="http://schemas.openxmlformats.org/presentationml/2006/main">
+  <p:cSld>
+    <p:bg>
+      <p:bgPr>
+        <a:gradFill rotWithShape="1">
+          <a:gsLst>
+            <a:gs pos="0">
+              <a:schemeClr val="bg2">
+                <a:tint val="94000"/>
+                <a:satMod val="80000"/>
+                <a:lumMod val="106000"/>
+              </a:schemeClr>
+            </a:gs>
+            <a:gs pos="100000">
+              <a:schemeClr val="bg2">
+                <a:shade val="80000"/>
+              </a:schemeClr>
+            </a:gs>
+          </a:gsLst>
+          <a:path path="circle">
+            <a:fillToRect l="43000" r="43000" b="100000"/>
+          </a:path>
+        </a:gradFill>
+        <a:effectLst/>
+      </p:bgPr>
+    </p:bg>
+    <p:spTree>
+      <p:nvGrpSpPr>
+        <p:cNvPr id="1" name=""/>
+        <p:cNvGrpSpPr/>
+        <p:nvPr/>
+      </p:nvGrpSpPr>
+      <p:grpSpPr>
+        <a:xfrm>
+          <a:off x="0" y="0"/>
+          <a:ext cx="0" cy="0"/>
+          <a:chOff x="0" y="0"/>
+          <a:chExt cx="0" cy="0"/>
+        </a:xfrm>
+      </p:grpSpPr>
+      <p:sp>
+        <p:nvSpPr>
+          <p:cNvPr id="8" name="Rectangle 7">
+            <a:extLst>
+              <a:ext uri="{FF2B5EF4-FFF2-40B4-BE49-F238E27FC236}">
+                <a16:creationId xmlns:a16="http://schemas.microsoft.com/office/drawing/2014/main" id="{CDDE5CDF-1512-4CDA-B956-23D223F8DE44}"/>
+              </a:ext>
+              <a:ext uri="{C183D7F6-B498-43B3-948B-1728B52AA6E4}">
+                <adec:decorative xmlns:adec="http://schemas.microsoft.com/office/drawing/2017/decorative" val="1"/>
+              </a:ext>
+            </a:extLst>
+          </p:cNvPr>
+          <p:cNvSpPr>
+            <a:spLocks noGrp="1" noRot="1" noChangeAspect="1" noMove="1" noResize="1" noEditPoints="1" noAdjustHandles="1" noChangeArrowheads="1" noChangeShapeType="1" noTextEdit="1"/>
+          </p:cNvSpPr>
+          <p:nvPr>
+            <p:extLst>
+              <p:ext uri="{386F3935-93C4-4BCD-93E2-E3B085C9AB24}">
+                <p16:designElem xmlns:p16="http://schemas.microsoft.com/office/powerpoint/2015/main" val="1"/>
+              </p:ext>
+            </p:extLst>
+          </p:nvPr>
+        </p:nvSpPr>
+        <p:spPr>
+          <a:xfrm>
+            <a:off x="0" y="2019476"/>
+            <a:ext cx="12192000" cy="4105941"/>
+          </a:xfrm>
+          <a:prstGeom prst="rect">
+            <a:avLst/>
+          </a:prstGeom>
+          <a:gradFill flip="none" rotWithShape="1">
+            <a:gsLst>
+              <a:gs pos="0">
+                <a:schemeClr val="bg2">
+                  <a:alpha val="0"/>
+                </a:schemeClr>
+              </a:gs>
+              <a:gs pos="100000">
+                <a:schemeClr val="bg2"/>
+              </a:gs>
+            </a:gsLst>
+            <a:lin ang="5400000" scaled="0"/>
+            <a:tileRect/>
+          </a:gradFill>
+          <a:ln>
+            <a:noFill/>
+          </a:ln>
+        </p:spPr>
+        <p:style>
+          <a:lnRef idx="2">
+            <a:schemeClr val="accent1">
+              <a:shade val="50000"/>
+            </a:schemeClr>
+          </a:lnRef>
+          <a:fillRef idx="1">
+            <a:schemeClr val="accent1"/>
+          </a:fillRef>
+          <a:effectRef idx="0">
+            <a:schemeClr val="accent1"/>
+          </a:effectRef>
+          <a:fontRef idx="minor">
+            <a:schemeClr val="lt1"/>
+          </a:fontRef>
+        </p:style>
+      </p:sp>
+      <p:pic>
+        <p:nvPicPr>
+          <p:cNvPr id="10" name="Picture 9">
+            <a:extLst>
+              <a:ext uri="{FF2B5EF4-FFF2-40B4-BE49-F238E27FC236}">
+                <a16:creationId xmlns:a16="http://schemas.microsoft.com/office/drawing/2014/main" id="{B029D7D8-5A6B-4C76-94C8-15798C6C5ADB}"/>
+              </a:ext>
+              <a:ext uri="{C183D7F6-B498-43B3-948B-1728B52AA6E4}">
+                <adec:decorative xmlns:adec="http://schemas.microsoft.com/office/drawing/2017/decorative" val="1"/>
+              </a:ext>
+            </a:extLst>
+          </p:cNvPr>
+          <p:cNvPicPr>
+            <a:picLocks noGrp="1" noRot="1" noChangeAspect="1" noMove="1" noResize="1" noEditPoints="1" noAdjustHandles="1" noChangeArrowheads="1" noChangeShapeType="1" noCrop="1"/>
+          </p:cNvPicPr>
+          <p:nvPr>
+            <p:extLst>
+              <p:ext uri="{386F3935-93C4-4BCD-93E2-E3B085C9AB24}">
+                <p16:designElem xmlns:p16="http://schemas.microsoft.com/office/powerpoint/2015/main" val="1"/>
+              </p:ext>
+            </p:extLst>
+          </p:nvPr>
+        </p:nvPicPr>
+        <p:blipFill rotWithShape="1">
+          <a:blip r:embed="rId2">
+            <a:extLst>
+              <a:ext uri="{28A0092B-C50C-407E-A947-70E740481C1C}">
+                <a14:useLocalDpi xmlns:a14="http://schemas.microsoft.com/office/drawing/2010/main" val="0"/>
+              </a:ext>
+            </a:extLst>
+          </a:blip>
+          <a:srcRect t="1538" b="-1538"/>
+          <a:stretch/>
+        </p:blipFill>
+        <p:spPr bwMode="black">
+          <a:xfrm>
+            <a:off x="0" y="6126480"/>
+            <a:ext cx="12192000" cy="742950"/>
+          </a:xfrm>
+          <a:prstGeom prst="rect">
+            <a:avLst/>
+          </a:prstGeom>
+        </p:spPr>
+      </p:pic>
+      <p:cxnSp>
+        <p:nvCxnSpPr>
+          <p:cNvPr id="12" name="Straight Connector 11">
+            <a:extLst>
+              <a:ext uri="{FF2B5EF4-FFF2-40B4-BE49-F238E27FC236}">
+                <a16:creationId xmlns:a16="http://schemas.microsoft.com/office/drawing/2014/main" id="{A5C9319C-E20D-4884-952F-60B6A58C3E34}"/>
+              </a:ext>
+              <a:ext uri="{C183D7F6-B498-43B3-948B-1728B52AA6E4}">
+                <adec:decorative xmlns:adec="http://schemas.microsoft.com/office/drawing/2017/decorative" val="1"/>
+              </a:ext>
+            </a:extLst>
+          </p:cNvPr>
+          <p:cNvCxnSpPr>
+            <a:cxnSpLocks noGrp="1" noRot="1" noChangeAspect="1" noMove="1" noResize="1" noEditPoints="1" noAdjustHandles="1" noChangeArrowheads="1" noChangeShapeType="1"/>
+          </p:cNvCxnSpPr>
+          <p:nvPr>
+            <p:extLst>
+              <p:ext uri="{386F3935-93C4-4BCD-93E2-E3B085C9AB24}">
+                <p16:designElem xmlns:p16="http://schemas.microsoft.com/office/powerpoint/2015/main" val="1"/>
+              </p:ext>
+            </p:extLst>
+          </p:nvPr>
+        </p:nvCxnSpPr>
+        <p:spPr>
+          <a:xfrm>
+            <a:off x="0" y="6128413"/>
+            <a:ext cx="12192000" cy="0"/>
+          </a:xfrm>
+          <a:prstGeom prst="line">
+            <a:avLst/>
+          </a:prstGeom>
+          <a:ln w="12700">
+            <a:solidFill>
+              <a:srgbClr val="000001">
+                <a:alpha val="20000"/>
+              </a:srgbClr>
+            </a:solidFill>
+          </a:ln>
+        </p:spPr>
+        <p:style>
+          <a:lnRef idx="1">
+            <a:schemeClr val="accent1"/>
+          </a:lnRef>
+          <a:fillRef idx="0">
+            <a:schemeClr val="accent1"/>
+          </a:fillRef>
+          <a:effectRef idx="0">
+            <a:schemeClr val="accent1"/>
+          </a:effectRef>
+          <a:fontRef idx="minor">
+            <a:schemeClr val="tx1"/>
+          </a:fontRef>
+        </p:style>
+      </p:cxnSp>
+      <p:sp>
+        <p:nvSpPr>
+          <p:cNvPr id="14" name="Rectangle 13">
+            <a:extLst>
+              <a:ext uri="{FF2B5EF4-FFF2-40B4-BE49-F238E27FC236}">
+                <a16:creationId xmlns:a16="http://schemas.microsoft.com/office/drawing/2014/main" id="{B6E6531A-0776-43BA-A852-5FB5C77534D5}"/>
+              </a:ext>
+              <a:ext uri="{C183D7F6-B498-43B3-948B-1728B52AA6E4}">
+                <adec:decorative xmlns:adec="http://schemas.microsoft.com/office/drawing/2017/decorative" val="1"/>
+              </a:ext>
+            </a:extLst>
+          </p:cNvPr>
+          <p:cNvSpPr>
+            <a:spLocks noGrp="1" noRot="1" noChangeAspect="1" noMove="1" noResize="1" noEditPoints="1" noAdjustHandles="1" noChangeArrowheads="1" noChangeShapeType="1" noTextEdit="1"/>
+          </p:cNvSpPr>
+          <p:nvPr>
+            <p:extLst>
+              <p:ext uri="{386F3935-93C4-4BCD-93E2-E3B085C9AB24}">
+                <p16:designElem xmlns:p16="http://schemas.microsoft.com/office/powerpoint/2015/main" val="1"/>
+              </p:ext>
+            </p:extLst>
+          </p:nvPr>
+        </p:nvSpPr>
+        <p:spPr>
+          <a:xfrm>
+            <a:off x="1556085" y="533400"/>
+            <a:ext cx="9079832" cy="5077326"/>
+          </a:xfrm>
+          <a:prstGeom prst="rect">
+            <a:avLst/>
+          </a:prstGeom>
+          <a:gradFill>
+            <a:gsLst>
+              <a:gs pos="0">
+                <a:srgbClr val="000001"/>
+              </a:gs>
+              <a:gs pos="100000">
+                <a:srgbClr val="191919"/>
+              </a:gs>
+            </a:gsLst>
+          </a:gradFill>
+          <a:ln w="76200" cmpd="sng">
+            <a:noFill/>
+            <a:miter lim="800000"/>
+          </a:ln>
+          <a:effectLst>
+            <a:outerShdw blurRad="127000" dist="228600" dir="4740000" sx="98000" sy="98000" algn="tl" rotWithShape="0">
+              <a:srgbClr val="000000">
+                <a:alpha val="34000"/>
+              </a:srgbClr>
+            </a:outerShdw>
+          </a:effectLst>
+          <a:scene3d>
+            <a:camera prst="orthographicFront"/>
+            <a:lightRig rig="threePt" dir="t"/>
+          </a:scene3d>
+          <a:sp3d>
+            <a:bevelT w="152400" h="50800" prst="softRound"/>
+          </a:sp3d>
+        </p:spPr>
+        <p:style>
+          <a:lnRef idx="1">
+            <a:schemeClr val="accent1"/>
+          </a:lnRef>
+          <a:fillRef idx="3">
+            <a:schemeClr val="accent1"/>
+          </a:fillRef>
+          <a:effectRef idx="2">
+            <a:schemeClr val="accent1"/>
+          </a:effectRef>
+          <a:fontRef idx="minor">
+            <a:schemeClr val="lt1"/>
+          </a:fontRef>
+        </p:style>
+        <p:txBody>
+          <a:bodyPr rtlCol="0" anchor="ctr"/>
+          <a:lstStyle/>
+          <a:p>
+            <a:pPr algn="ctr"/>
+            <a:endParaRPr lang="en-US"/>
+          </a:p>
+        </p:txBody>
+      </p:sp>
+      <p:sp>
+        <p:nvSpPr>
+          <p:cNvPr id="16" name="Rectangle 15">
+            <a:extLst>
+              <a:ext uri="{FF2B5EF4-FFF2-40B4-BE49-F238E27FC236}">
+                <a16:creationId xmlns:a16="http://schemas.microsoft.com/office/drawing/2014/main" id="{F8C5273F-2B84-46BF-A94F-1A20E13B3AA1}"/>
+              </a:ext>
+              <a:ext uri="{C183D7F6-B498-43B3-948B-1728B52AA6E4}">
+                <adec:decorative xmlns:adec="http://schemas.microsoft.com/office/drawing/2017/decorative" val="1"/>
+              </a:ext>
+            </a:extLst>
+          </p:cNvPr>
+          <p:cNvSpPr>
+            <a:spLocks noGrp="1" noRot="1" noChangeAspect="1" noMove="1" noResize="1" noEditPoints="1" noAdjustHandles="1" noChangeArrowheads="1" noChangeShapeType="1" noTextEdit="1"/>
+          </p:cNvSpPr>
+          <p:nvPr>
+            <p:extLst>
+              <p:ext uri="{386F3935-93C4-4BCD-93E2-E3B085C9AB24}">
+                <p16:designElem xmlns:p16="http://schemas.microsoft.com/office/powerpoint/2015/main" val="1"/>
+              </p:ext>
+            </p:extLst>
+          </p:nvPr>
+        </p:nvSpPr>
+        <p:spPr>
+          <a:xfrm>
+            <a:off x="1784605" y="763203"/>
+            <a:ext cx="8622792" cy="4617720"/>
+          </a:xfrm>
+          <a:prstGeom prst="rect">
+            <a:avLst/>
+          </a:prstGeom>
+          <a:gradFill>
+            <a:gsLst>
+              <a:gs pos="0">
+                <a:srgbClr val="DADADA"/>
+              </a:gs>
+              <a:gs pos="100000">
+                <a:srgbClr val="FFFFFE"/>
+              </a:gs>
+            </a:gsLst>
+            <a:lin ang="16200000" scaled="0"/>
+          </a:gradFill>
+          <a:ln w="50800" cmpd="sng">
+            <a:solidFill>
+              <a:srgbClr val="191919"/>
+            </a:solidFill>
+            <a:miter lim="800000"/>
+          </a:ln>
+          <a:effectLst>
+            <a:innerShdw blurRad="63500" dist="88900" dir="14100000">
+              <a:srgbClr val="000000">
+                <a:alpha val="30000"/>
+              </a:srgbClr>
+            </a:innerShdw>
+          </a:effectLst>
+          <a:scene3d>
+            <a:camera prst="orthographicFront"/>
+            <a:lightRig rig="threePt" dir="t"/>
+          </a:scene3d>
+          <a:sp3d>
+            <a:bevelT prst="relaxedInset"/>
+          </a:sp3d>
+        </p:spPr>
+        <p:style>
+          <a:lnRef idx="1">
+            <a:schemeClr val="accent1"/>
+          </a:lnRef>
+          <a:fillRef idx="3">
+            <a:schemeClr val="accent1"/>
+          </a:fillRef>
+          <a:effectRef idx="2">
+            <a:schemeClr val="accent1"/>
+          </a:effectRef>
+          <a:fontRef idx="minor">
+            <a:schemeClr val="lt1"/>
+          </a:fontRef>
+        </p:style>
+        <p:txBody>
+          <a:bodyPr rtlCol="0" anchor="ctr"/>
+          <a:lstStyle/>
+          <a:p>
+            <a:pPr algn="ctr"/>
+            <a:endParaRPr lang="en-US"/>
+          </a:p>
+        </p:txBody>
+      </p:sp>
+      <p:pic>
+        <p:nvPicPr>
+          <p:cNvPr id="3" name="Afbeelding 2">
+            <a:extLst>
+              <a:ext uri="{FF2B5EF4-FFF2-40B4-BE49-F238E27FC236}">
+                <a16:creationId xmlns:a16="http://schemas.microsoft.com/office/drawing/2014/main" id="{D1C9DAA9-47DE-4D6F-A152-B33990093F76}"/>
+              </a:ext>
+            </a:extLst>
+          </p:cNvPr>
+          <p:cNvPicPr>
+            <a:picLocks noChangeAspect="1"/>
+          </p:cNvPicPr>
+          <p:nvPr/>
+        </p:nvPicPr>
+        <p:blipFill>
+          <a:blip r:embed="rId3">
+            <a:extLst>
+              <a:ext uri="{28A0092B-C50C-407E-A947-70E740481C1C}">
+                <a14:useLocalDpi xmlns:a14="http://schemas.microsoft.com/office/drawing/2010/main" val="0"/>
+              </a:ext>
+            </a:extLst>
+          </a:blip>
+          <a:stretch>
+            <a:fillRect/>
+          </a:stretch>
+        </p:blipFill>
+        <p:spPr>
+          <a:xfrm>
+            <a:off x="2501463" y="1247835"/>
+            <a:ext cx="7189075" cy="3648456"/>
+          </a:xfrm>
+          <a:prstGeom prst="rect">
+            <a:avLst/>
+          </a:prstGeom>
+        </p:spPr>
+      </p:pic>
+    </p:spTree>
+    <p:extLst>
+      <p:ext uri="{BB962C8B-B14F-4D97-AF65-F5344CB8AC3E}">
+        <p14:creationId xmlns:p14="http://schemas.microsoft.com/office/powerpoint/2010/main" val="3397038724"/>
+      </p:ext>
+    </p:extLst>
+  </p:cSld>
+  <p:clrMapOvr>
+    <a:masterClrMapping/>
+  </p:clrMapOvr>
+</p:sld>
+</file>
+
+<file path=ppt/slides/slide5.xml><?xml version="1.0" encoding="utf-8"?>
+<p:sld xmlns:a="http://schemas.openxmlformats.org/drawingml/2006/main" xmlns:r="http://schemas.openxmlformats.org/officeDocument/2006/relationships" xmlns:p="http://schemas.openxmlformats.org/presentationml/2006/main">
+  <p:cSld>
+    <p:spTree>
+      <p:nvGrpSpPr>
+        <p:cNvPr id="1" name=""/>
+        <p:cNvGrpSpPr/>
+        <p:nvPr/>
+      </p:nvGrpSpPr>
+      <p:grpSpPr>
+        <a:xfrm>
+          <a:off x="0" y="0"/>
+          <a:ext cx="0" cy="0"/>
+          <a:chOff x="0" y="0"/>
+          <a:chExt cx="0" cy="0"/>
+        </a:xfrm>
+      </p:grpSpPr>
+      <p:sp>
+        <p:nvSpPr>
+          <p:cNvPr id="2" name="Titel 1">
+            <a:extLst>
+              <a:ext uri="{FF2B5EF4-FFF2-40B4-BE49-F238E27FC236}">
+                <a16:creationId xmlns:a16="http://schemas.microsoft.com/office/drawing/2014/main" id="{12B1229A-5BF3-43A2-8D05-75E00D6A0422}"/>
+              </a:ext>
+            </a:extLst>
+          </p:cNvPr>
+          <p:cNvSpPr>
+            <a:spLocks noGrp="1"/>
+          </p:cNvSpPr>
+          <p:nvPr>
+            <p:ph type="title"/>
+          </p:nvPr>
+        </p:nvSpPr>
+        <p:spPr/>
+        <p:txBody>
+          <a:bodyPr/>
+          <a:lstStyle/>
+          <a:p>
+            <a:r>
+              <a:rPr lang="nl-NL" dirty="0"/>
+              <a:t>kleuren</a:t>
+            </a:r>
+          </a:p>
+        </p:txBody>
+      </p:sp>
+      <p:pic>
+        <p:nvPicPr>
+          <p:cNvPr id="4" name="Tijdelijke aanduiding voor inhoud 3">
+            <a:extLst>
+              <a:ext uri="{FF2B5EF4-FFF2-40B4-BE49-F238E27FC236}">
+                <a16:creationId xmlns:a16="http://schemas.microsoft.com/office/drawing/2014/main" id="{995D75B8-4090-43E8-AD41-C898D4A3447D}"/>
+              </a:ext>
+            </a:extLst>
+          </p:cNvPr>
+          <p:cNvPicPr>
+            <a:picLocks noGrp="1" noChangeAspect="1"/>
+          </p:cNvPicPr>
+          <p:nvPr>
+            <p:ph idx="1"/>
+          </p:nvPr>
+        </p:nvPicPr>
+        <p:blipFill>
+          <a:blip r:embed="rId2"/>
+          <a:stretch>
+            <a:fillRect/>
+          </a:stretch>
+        </p:blipFill>
+        <p:spPr>
+          <a:xfrm>
+            <a:off x="1882591" y="1853754"/>
+            <a:ext cx="8426818" cy="4740086"/>
+          </a:xfrm>
+          <a:prstGeom prst="rect">
+            <a:avLst/>
+          </a:prstGeom>
+        </p:spPr>
+      </p:pic>
+    </p:spTree>
+    <p:extLst>
+      <p:ext uri="{BB962C8B-B14F-4D97-AF65-F5344CB8AC3E}">
+        <p14:creationId xmlns:p14="http://schemas.microsoft.com/office/powerpoint/2010/main" val="4051314381"/>
       </p:ext>
     </p:extLst>
   </p:cSld>
